--- a/Notes/TFM_presentations/2020_04_27/2020_04_27.pptx
+++ b/Notes/TFM_presentations/2020_04_27/2020_04_27.pptx
@@ -5,7 +5,7 @@
     <p:sldMasterId id="2147483648" r:id="rId1"/>
   </p:sldMasterIdLst>
   <p:notesMasterIdLst>
-    <p:notesMasterId r:id="rId11"/>
+    <p:notesMasterId r:id="rId12"/>
   </p:notesMasterIdLst>
   <p:sldIdLst>
     <p:sldId id="256" r:id="rId2"/>
@@ -17,6 +17,7 @@
     <p:sldId id="326" r:id="rId8"/>
     <p:sldId id="327" r:id="rId9"/>
     <p:sldId id="328" r:id="rId10"/>
+    <p:sldId id="329" r:id="rId11"/>
   </p:sldIdLst>
   <p:sldSz cx="12192000" cy="6858000"/>
   <p:notesSz cx="6858000" cy="9144000"/>
@@ -219,7 +220,7 @@
           <a:p>
             <a:fld id="{D07E13D9-DB12-424B-A0B8-3D2EDA86849F}" type="datetimeFigureOut">
               <a:rPr lang="en-GB" smtClean="0"/>
-              <a:t>27/04/2020</a:t>
+              <a:t>29/04/2020</a:t>
             </a:fld>
             <a:endParaRPr lang="en-GB" dirty="0"/>
           </a:p>
@@ -2212,7 +2213,7 @@
           <a:p>
             <a:fld id="{E38A22E1-EB92-4D54-BACA-04AA8A92E613}" type="datetime1">
               <a:rPr lang="en-GB" smtClean="0"/>
-              <a:t>27/04/2020</a:t>
+              <a:t>29/04/2020</a:t>
             </a:fld>
             <a:endParaRPr lang="en-GB" dirty="0"/>
           </a:p>
@@ -2429,7 +2430,7 @@
           <a:p>
             <a:fld id="{F7BBACEA-79DB-4B06-B53C-1515C6E9AA2A}" type="datetime1">
               <a:rPr lang="en-GB" smtClean="0"/>
-              <a:t>27/04/2020</a:t>
+              <a:t>29/04/2020</a:t>
             </a:fld>
             <a:endParaRPr lang="en-GB" dirty="0"/>
           </a:p>
@@ -2639,7 +2640,7 @@
           <a:p>
             <a:fld id="{1242A314-3A0B-49C4-ADB0-F8BBA4139E56}" type="datetime1">
               <a:rPr lang="en-GB" smtClean="0"/>
-              <a:t>27/04/2020</a:t>
+              <a:t>29/04/2020</a:t>
             </a:fld>
             <a:endParaRPr lang="en-GB" dirty="0"/>
           </a:p>
@@ -2839,7 +2840,7 @@
           <a:p>
             <a:fld id="{D240987B-0079-4EE9-8A70-14597C3743BC}" type="datetime1">
               <a:rPr lang="en-GB" smtClean="0"/>
-              <a:t>27/04/2020</a:t>
+              <a:t>29/04/2020</a:t>
             </a:fld>
             <a:endParaRPr lang="en-GB" dirty="0"/>
           </a:p>
@@ -3115,7 +3116,7 @@
           <a:p>
             <a:fld id="{9C436FE2-9B88-4810-AC3E-E01CD02C2930}" type="datetime1">
               <a:rPr lang="en-GB" smtClean="0"/>
-              <a:t>27/04/2020</a:t>
+              <a:t>29/04/2020</a:t>
             </a:fld>
             <a:endParaRPr lang="en-GB" dirty="0"/>
           </a:p>
@@ -3383,7 +3384,7 @@
           <a:p>
             <a:fld id="{08368621-535E-44A6-A126-3F2534EA9A7B}" type="datetime1">
               <a:rPr lang="en-GB" smtClean="0"/>
-              <a:t>27/04/2020</a:t>
+              <a:t>29/04/2020</a:t>
             </a:fld>
             <a:endParaRPr lang="en-GB" dirty="0"/>
           </a:p>
@@ -3798,7 +3799,7 @@
           <a:p>
             <a:fld id="{632F5B32-CFB7-415D-9B96-9BE2AE3D1AAC}" type="datetime1">
               <a:rPr lang="en-GB" smtClean="0"/>
-              <a:t>27/04/2020</a:t>
+              <a:t>29/04/2020</a:t>
             </a:fld>
             <a:endParaRPr lang="en-GB" dirty="0"/>
           </a:p>
@@ -3940,7 +3941,7 @@
           <a:p>
             <a:fld id="{C2A51E27-F50C-4FD5-A040-64C12EA57AB4}" type="datetime1">
               <a:rPr lang="en-GB" smtClean="0"/>
-              <a:t>27/04/2020</a:t>
+              <a:t>29/04/2020</a:t>
             </a:fld>
             <a:endParaRPr lang="en-GB" dirty="0"/>
           </a:p>
@@ -4053,7 +4054,7 @@
           <a:p>
             <a:fld id="{A60DBC3F-8614-44B4-9683-36A45BFFB7A1}" type="datetime1">
               <a:rPr lang="en-GB" smtClean="0"/>
-              <a:t>27/04/2020</a:t>
+              <a:t>29/04/2020</a:t>
             </a:fld>
             <a:endParaRPr lang="en-GB" dirty="0"/>
           </a:p>
@@ -4366,7 +4367,7 @@
           <a:p>
             <a:fld id="{23091C06-D056-41B0-9F5F-5E90B83401B6}" type="datetime1">
               <a:rPr lang="en-GB" smtClean="0"/>
-              <a:t>27/04/2020</a:t>
+              <a:t>29/04/2020</a:t>
             </a:fld>
             <a:endParaRPr lang="en-GB" dirty="0"/>
           </a:p>
@@ -4659,7 +4660,7 @@
           <a:p>
             <a:fld id="{119BFB93-9673-43A0-BDFE-39DE919D7FF9}" type="datetime1">
               <a:rPr lang="en-GB" smtClean="0"/>
-              <a:t>27/04/2020</a:t>
+              <a:t>29/04/2020</a:t>
             </a:fld>
             <a:endParaRPr lang="en-GB" dirty="0"/>
           </a:p>
@@ -4957,7 +4958,7 @@
             <a:fld id="{1D06A54C-354E-461C-AA7A-CD74CDD91362}" type="datetime1">
               <a:rPr lang="en-GB" smtClean="0"/>
               <a:pPr/>
-              <a:t>27/04/2020</a:t>
+              <a:t>29/04/2020</a:t>
             </a:fld>
             <a:endParaRPr lang="en-GB" dirty="0"/>
           </a:p>
@@ -5963,7 +5964,7 @@
             <a:pPr algn="ctr"/>
             <a:r>
               <a:rPr lang="en-GB" dirty="0"/>
-              <a:t>27</a:t>
+              <a:t>29</a:t>
             </a:r>
             <a:r>
               <a:rPr lang="en-GB" baseline="30000" dirty="0"/>
@@ -6027,6 +6028,2537 @@
   <p:clrMapOvr>
     <a:masterClrMapping/>
   </p:clrMapOvr>
+</p:sld>
+</file>
+
+<file path=ppt/slides/slide10.xml><?xml version="1.0" encoding="utf-8"?>
+<p:sld xmlns:a="http://schemas.openxmlformats.org/drawingml/2006/main" xmlns:r="http://schemas.openxmlformats.org/officeDocument/2006/relationships" xmlns:p="http://schemas.openxmlformats.org/presentationml/2006/main">
+  <p:cSld>
+    <p:spTree>
+      <p:nvGrpSpPr>
+        <p:cNvPr id="1" name=""/>
+        <p:cNvGrpSpPr/>
+        <p:nvPr/>
+      </p:nvGrpSpPr>
+      <p:grpSpPr>
+        <a:xfrm>
+          <a:off x="0" y="0"/>
+          <a:ext cx="0" cy="0"/>
+          <a:chOff x="0" y="0"/>
+          <a:chExt cx="0" cy="0"/>
+        </a:xfrm>
+      </p:grpSpPr>
+      <p:sp>
+        <p:nvSpPr>
+          <p:cNvPr id="2" name="Title 1">
+            <a:extLst>
+              <a:ext uri="{FF2B5EF4-FFF2-40B4-BE49-F238E27FC236}">
+                <a16:creationId xmlns:a16="http://schemas.microsoft.com/office/drawing/2014/main" id="{24E09E1C-13DE-4848-B7B1-F82DC1A1375D}"/>
+              </a:ext>
+            </a:extLst>
+          </p:cNvPr>
+          <p:cNvSpPr>
+            <a:spLocks noGrp="1"/>
+          </p:cNvSpPr>
+          <p:nvPr>
+            <p:ph type="title"/>
+          </p:nvPr>
+        </p:nvSpPr>
+        <p:spPr/>
+        <p:txBody>
+          <a:bodyPr anchor="ctr">
+            <a:normAutofit/>
+          </a:bodyPr>
+          <a:lstStyle/>
+          <a:p>
+            <a:r>
+              <a:rPr lang="en-GB" dirty="0"/>
+              <a:t>Example solution</a:t>
+            </a:r>
+          </a:p>
+        </p:txBody>
+      </p:sp>
+      <p:pic>
+        <p:nvPicPr>
+          <p:cNvPr id="6" name="state_base">
+            <a:extLst>
+              <a:ext uri="{FF2B5EF4-FFF2-40B4-BE49-F238E27FC236}">
+                <a16:creationId xmlns:a16="http://schemas.microsoft.com/office/drawing/2014/main" id="{803509BF-AA46-4954-B761-BADC8320EC9E}"/>
+              </a:ext>
+            </a:extLst>
+          </p:cNvPr>
+          <p:cNvPicPr>
+            <a:picLocks noGrp="1" noChangeAspect="1"/>
+          </p:cNvPicPr>
+          <p:nvPr>
+            <p:ph sz="half" idx="1"/>
+          </p:nvPr>
+        </p:nvPicPr>
+        <p:blipFill>
+          <a:blip r:embed="rId2">
+            <a:extLst>
+              <a:ext uri="{28A0092B-C50C-407E-A947-70E740481C1C}">
+                <a14:useLocalDpi xmlns:a14="http://schemas.microsoft.com/office/drawing/2010/main" val="0"/>
+              </a:ext>
+            </a:extLst>
+          </a:blip>
+          <a:stretch/>
+        </p:blipFill>
+        <p:spPr>
+          <a:xfrm>
+            <a:off x="5398662" y="2136371"/>
+            <a:ext cx="6423875" cy="2338342"/>
+          </a:xfrm>
+          <a:noFill/>
+        </p:spPr>
+      </p:pic>
+      <mc:AlternateContent xmlns:mc="http://schemas.openxmlformats.org/markup-compatibility/2006">
+        <mc:Choice xmlns:a14="http://schemas.microsoft.com/office/drawing/2010/main" Requires="a14">
+          <p:graphicFrame>
+            <p:nvGraphicFramePr>
+              <p:cNvPr id="7" name="Table 7">
+                <a:extLst>
+                  <a:ext uri="{FF2B5EF4-FFF2-40B4-BE49-F238E27FC236}">
+                    <a16:creationId xmlns:a16="http://schemas.microsoft.com/office/drawing/2014/main" id="{C814EFF5-2405-4DEB-8801-70DB10C00A4E}"/>
+                  </a:ext>
+                </a:extLst>
+              </p:cNvPr>
+              <p:cNvGraphicFramePr>
+                <a:graphicFrameLocks noGrp="1"/>
+              </p:cNvGraphicFramePr>
+              <p:nvPr>
+                <p:ph sz="half" idx="2"/>
+                <p:extLst>
+                  <p:ext uri="{D42A27DB-BD31-4B8C-83A1-F6EECF244321}">
+                    <p14:modId xmlns:p14="http://schemas.microsoft.com/office/powerpoint/2010/main" val="1130259066"/>
+                  </p:ext>
+                </p:extLst>
+              </p:nvPr>
+            </p:nvGraphicFramePr>
+            <p:xfrm>
+              <a:off x="696286" y="1999188"/>
+              <a:ext cx="4366724" cy="2612708"/>
+            </p:xfrm>
+            <a:graphic>
+              <a:graphicData uri="http://schemas.openxmlformats.org/drawingml/2006/table">
+                <a:tbl>
+                  <a:tblPr firstRow="1" bandRow="1">
+                    <a:tableStyleId>{7DF18680-E054-41AD-8BC1-D1AEF772440D}</a:tableStyleId>
+                  </a:tblPr>
+                  <a:tblGrid>
+                    <a:gridCol w="626254">
+                      <a:extLst>
+                        <a:ext uri="{9D8B030D-6E8A-4147-A177-3AD203B41FA5}">
+                          <a16:colId xmlns:a16="http://schemas.microsoft.com/office/drawing/2014/main" val="3365389389"/>
+                        </a:ext>
+                      </a:extLst>
+                    </a:gridCol>
+                    <a:gridCol w="675430">
+                      <a:extLst>
+                        <a:ext uri="{9D8B030D-6E8A-4147-A177-3AD203B41FA5}">
+                          <a16:colId xmlns:a16="http://schemas.microsoft.com/office/drawing/2014/main" val="740135117"/>
+                        </a:ext>
+                      </a:extLst>
+                    </a:gridCol>
+                    <a:gridCol w="1096273">
+                      <a:extLst>
+                        <a:ext uri="{9D8B030D-6E8A-4147-A177-3AD203B41FA5}">
+                          <a16:colId xmlns:a16="http://schemas.microsoft.com/office/drawing/2014/main" val="130360751"/>
+                        </a:ext>
+                      </a:extLst>
+                    </a:gridCol>
+                    <a:gridCol w="666957">
+                      <a:extLst>
+                        <a:ext uri="{9D8B030D-6E8A-4147-A177-3AD203B41FA5}">
+                          <a16:colId xmlns:a16="http://schemas.microsoft.com/office/drawing/2014/main" val="2534150074"/>
+                        </a:ext>
+                      </a:extLst>
+                    </a:gridCol>
+                    <a:gridCol w="327051">
+                      <a:extLst>
+                        <a:ext uri="{9D8B030D-6E8A-4147-A177-3AD203B41FA5}">
+                          <a16:colId xmlns:a16="http://schemas.microsoft.com/office/drawing/2014/main" val="4088861154"/>
+                        </a:ext>
+                      </a:extLst>
+                    </a:gridCol>
+                    <a:gridCol w="974759">
+                      <a:extLst>
+                        <a:ext uri="{9D8B030D-6E8A-4147-A177-3AD203B41FA5}">
+                          <a16:colId xmlns:a16="http://schemas.microsoft.com/office/drawing/2014/main" val="2816938464"/>
+                        </a:ext>
+                      </a:extLst>
+                    </a:gridCol>
+                  </a:tblGrid>
+                  <a:tr h="370840">
+                    <a:tc>
+                      <a:txBody>
+                        <a:bodyPr/>
+                        <a:lstStyle/>
+                        <a:p>
+                          <a:pPr/>
+                          <a14:m>
+                            <m:oMathPara xmlns:m="http://schemas.openxmlformats.org/officeDocument/2006/math">
+                              <m:oMathParaPr>
+                                <m:jc m:val="centerGroup"/>
+                              </m:oMathParaPr>
+                              <m:oMath xmlns:m="http://schemas.openxmlformats.org/officeDocument/2006/math">
+                                <m:sSub>
+                                  <m:sSubPr>
+                                    <m:ctrlPr>
+                                      <a:rPr lang="en-GB" b="1" smtClean="0"/>
+                                    </m:ctrlPr>
+                                  </m:sSubPr>
+                                  <m:e>
+                                    <m:r>
+                                      <a:rPr lang="en-GB" b="1" smtClean="0"/>
+                                      <m:t>𝑱</m:t>
+                                    </m:r>
+                                  </m:e>
+                                  <m:sub>
+                                    <m:r>
+                                      <a:rPr lang="en-GB" b="1" smtClean="0"/>
+                                      <m:t>𝒊</m:t>
+                                    </m:r>
+                                  </m:sub>
+                                </m:sSub>
+                              </m:oMath>
+                            </m:oMathPara>
+                          </a14:m>
+                          <a:endParaRPr lang="en-GB" dirty="0"/>
+                        </a:p>
+                      </a:txBody>
+                      <a:tcPr marL="91975" marR="91975"/>
+                    </a:tc>
+                    <a:tc>
+                      <a:txBody>
+                        <a:bodyPr/>
+                        <a:lstStyle/>
+                        <a:p>
+                          <a:pPr/>
+                          <a14:m>
+                            <m:oMathPara xmlns:m="http://schemas.openxmlformats.org/officeDocument/2006/math">
+                              <m:oMathParaPr>
+                                <m:jc m:val="centerGroup"/>
+                              </m:oMathParaPr>
+                              <m:oMath xmlns:m="http://schemas.openxmlformats.org/officeDocument/2006/math">
+                                <m:sSubSup>
+                                  <m:sSubSupPr>
+                                    <m:ctrlPr>
+                                      <a:rPr lang="en-GB" b="1" smtClean="0"/>
+                                    </m:ctrlPr>
+                                  </m:sSubSupPr>
+                                  <m:e>
+                                    <m:r>
+                                      <a:rPr lang="en-GB" b="1" smtClean="0"/>
+                                      <m:t>𝑪</m:t>
+                                    </m:r>
+                                  </m:e>
+                                  <m:sub>
+                                    <m:r>
+                                      <a:rPr lang="en-GB" b="1" smtClean="0"/>
+                                      <m:t>𝒊</m:t>
+                                    </m:r>
+                                  </m:sub>
+                                  <m:sup>
+                                    <m:r>
+                                      <a:rPr lang="en-GB" b="1" smtClean="0"/>
+                                      <m:t>𝒎𝒊𝒏</m:t>
+                                    </m:r>
+                                  </m:sup>
+                                </m:sSubSup>
+                              </m:oMath>
+                            </m:oMathPara>
+                          </a14:m>
+                          <a:endParaRPr lang="en-GB" dirty="0"/>
+                        </a:p>
+                      </a:txBody>
+                      <a:tcPr marL="91975" marR="91975"/>
+                    </a:tc>
+                    <a:tc>
+                      <a:txBody>
+                        <a:bodyPr/>
+                        <a:lstStyle/>
+                        <a:p>
+                          <a:pPr/>
+                          <a14:m>
+                            <m:oMathPara xmlns:m="http://schemas.openxmlformats.org/officeDocument/2006/math">
+                              <m:oMathParaPr>
+                                <m:jc m:val="centerGroup"/>
+                              </m:oMathParaPr>
+                              <m:oMath xmlns:m="http://schemas.openxmlformats.org/officeDocument/2006/math">
+                                <m:sSubSup>
+                                  <m:sSubSupPr>
+                                    <m:ctrlPr>
+                                      <a:rPr lang="en-GB" b="1" smtClean="0"/>
+                                    </m:ctrlPr>
+                                  </m:sSubSupPr>
+                                  <m:e>
+                                    <m:r>
+                                      <a:rPr lang="en-GB" b="1" smtClean="0"/>
+                                      <m:t>𝑪</m:t>
+                                    </m:r>
+                                  </m:e>
+                                  <m:sub>
+                                    <m:r>
+                                      <a:rPr lang="en-GB" b="1" smtClean="0"/>
+                                      <m:t>𝒊</m:t>
+                                    </m:r>
+                                  </m:sub>
+                                  <m:sup>
+                                    <m:r>
+                                      <a:rPr lang="en-GB" b="1" smtClean="0"/>
+                                      <m:t>𝒎𝒂𝒙</m:t>
+                                    </m:r>
+                                  </m:sup>
+                                </m:sSubSup>
+                              </m:oMath>
+                            </m:oMathPara>
+                          </a14:m>
+                          <a:endParaRPr lang="en-GB" dirty="0"/>
+                        </a:p>
+                      </a:txBody>
+                      <a:tcPr marL="91975" marR="91975"/>
+                    </a:tc>
+                    <a:tc>
+                      <a:txBody>
+                        <a:bodyPr/>
+                        <a:lstStyle/>
+                        <a:p>
+                          <a:pPr/>
+                          <a14:m>
+                            <m:oMathPara xmlns:m="http://schemas.openxmlformats.org/officeDocument/2006/math">
+                              <m:oMathParaPr>
+                                <m:jc m:val="centerGroup"/>
+                              </m:oMathParaPr>
+                              <m:oMath xmlns:m="http://schemas.openxmlformats.org/officeDocument/2006/math">
+                                <m:sSub>
+                                  <m:sSubPr>
+                                    <m:ctrlPr>
+                                      <a:rPr lang="en-GB" b="1" smtClean="0"/>
+                                    </m:ctrlPr>
+                                  </m:sSubPr>
+                                  <m:e>
+                                    <m:r>
+                                      <a:rPr lang="en-GB" b="1" smtClean="0"/>
+                                      <m:t>𝒎</m:t>
+                                    </m:r>
+                                  </m:e>
+                                  <m:sub>
+                                    <m:r>
+                                      <a:rPr lang="en-GB" b="1" smtClean="0"/>
+                                      <m:t>𝒊</m:t>
+                                    </m:r>
+                                  </m:sub>
+                                </m:sSub>
+                              </m:oMath>
+                            </m:oMathPara>
+                          </a14:m>
+                          <a:endParaRPr lang="en-GB" dirty="0"/>
+                        </a:p>
+                      </a:txBody>
+                      <a:tcPr marL="91975" marR="91975"/>
+                    </a:tc>
+                    <a:tc>
+                      <a:txBody>
+                        <a:bodyPr/>
+                        <a:lstStyle/>
+                        <a:p>
+                          <a:pPr/>
+                          <a14:m>
+                            <m:oMathPara xmlns:m="http://schemas.openxmlformats.org/officeDocument/2006/math">
+                              <m:oMathParaPr>
+                                <m:jc m:val="centerGroup"/>
+                              </m:oMathParaPr>
+                              <m:oMath xmlns:m="http://schemas.openxmlformats.org/officeDocument/2006/math">
+                                <m:sSub>
+                                  <m:sSubPr>
+                                    <m:ctrlPr>
+                                      <a:rPr lang="en-GB" b="1" smtClean="0"/>
+                                    </m:ctrlPr>
+                                  </m:sSubPr>
+                                  <m:e>
+                                    <m:r>
+                                      <a:rPr lang="en-GB" b="1" smtClean="0"/>
+                                      <m:t>𝒑</m:t>
+                                    </m:r>
+                                  </m:e>
+                                  <m:sub>
+                                    <m:r>
+                                      <a:rPr lang="en-GB" b="1" smtClean="0"/>
+                                      <m:t>𝒊</m:t>
+                                    </m:r>
+                                  </m:sub>
+                                </m:sSub>
+                              </m:oMath>
+                            </m:oMathPara>
+                          </a14:m>
+                          <a:endParaRPr lang="en-GB" dirty="0"/>
+                        </a:p>
+                      </a:txBody>
+                      <a:tcPr marL="91975" marR="91975"/>
+                    </a:tc>
+                    <a:tc>
+                      <a:txBody>
+                        <a:bodyPr/>
+                        <a:lstStyle/>
+                        <a:p>
+                          <a:pPr/>
+                          <a14:m>
+                            <m:oMathPara xmlns:m="http://schemas.openxmlformats.org/officeDocument/2006/math">
+                              <m:oMathParaPr>
+                                <m:jc m:val="centerGroup"/>
+                              </m:oMathParaPr>
+                              <m:oMath xmlns:m="http://schemas.openxmlformats.org/officeDocument/2006/math">
+                                <m:r>
+                                  <a:rPr lang="en-GB" b="1" smtClean="0"/>
+                                  <m:t>𝒑𝒓𝒆𝒄</m:t>
+                                </m:r>
+                                <m:d>
+                                  <m:dPr>
+                                    <m:ctrlPr>
+                                      <a:rPr lang="en-GB" b="1" smtClean="0"/>
+                                    </m:ctrlPr>
+                                  </m:dPr>
+                                  <m:e>
+                                    <m:sSub>
+                                      <m:sSubPr>
+                                        <m:ctrlPr>
+                                          <a:rPr lang="en-GB" b="1" smtClean="0"/>
+                                        </m:ctrlPr>
+                                      </m:sSubPr>
+                                      <m:e>
+                                        <m:r>
+                                          <a:rPr lang="en-GB" b="1" smtClean="0"/>
+                                          <m:t>𝑱</m:t>
+                                        </m:r>
+                                      </m:e>
+                                      <m:sub>
+                                        <m:r>
+                                          <a:rPr lang="en-GB" b="1" smtClean="0"/>
+                                          <m:t>𝒊</m:t>
+                                        </m:r>
+                                      </m:sub>
+                                    </m:sSub>
+                                  </m:e>
+                                </m:d>
+                              </m:oMath>
+                            </m:oMathPara>
+                          </a14:m>
+                          <a:endParaRPr lang="en-GB" dirty="0"/>
+                        </a:p>
+                      </a:txBody>
+                      <a:tcPr marL="91975" marR="91975"/>
+                    </a:tc>
+                    <a:extLst>
+                      <a:ext uri="{0D108BD9-81ED-4DB2-BD59-A6C34878D82A}">
+                        <a16:rowId xmlns:a16="http://schemas.microsoft.com/office/drawing/2014/main" val="1356383853"/>
+                      </a:ext>
+                    </a:extLst>
+                  </a:tr>
+                  <a:tr h="370840">
+                    <a:tc>
+                      <a:txBody>
+                        <a:bodyPr/>
+                        <a:lstStyle/>
+                        <a:p>
+                          <a:pPr/>
+                          <a14:m>
+                            <m:oMathPara xmlns:m="http://schemas.openxmlformats.org/officeDocument/2006/math">
+                              <m:oMathParaPr>
+                                <m:jc m:val="centerGroup"/>
+                              </m:oMathParaPr>
+                              <m:oMath xmlns:m="http://schemas.openxmlformats.org/officeDocument/2006/math">
+                                <m:sSub>
+                                  <m:sSubPr>
+                                    <m:ctrlPr>
+                                      <a:rPr lang="en-GB" b="0" smtClean="0"/>
+                                    </m:ctrlPr>
+                                  </m:sSubPr>
+                                  <m:e>
+                                    <m:r>
+                                      <a:rPr lang="en-GB" b="0" smtClean="0"/>
+                                      <m:t>𝐽</m:t>
+                                    </m:r>
+                                  </m:e>
+                                  <m:sub>
+                                    <m:r>
+                                      <a:rPr lang="en-GB" b="0" smtClean="0"/>
+                                      <m:t>0</m:t>
+                                    </m:r>
+                                  </m:sub>
+                                </m:sSub>
+                              </m:oMath>
+                            </m:oMathPara>
+                          </a14:m>
+                          <a:endParaRPr lang="en-GB" dirty="0"/>
+                        </a:p>
+                      </a:txBody>
+                      <a:tcPr marL="91975" marR="91975"/>
+                    </a:tc>
+                    <a:tc>
+                      <a:txBody>
+                        <a:bodyPr/>
+                        <a:lstStyle/>
+                        <a:p>
+                          <a:r>
+                            <a:rPr lang="en-GB" dirty="0"/>
+                            <a:t>5</a:t>
+                          </a:r>
+                        </a:p>
+                      </a:txBody>
+                      <a:tcPr marL="91975" marR="91975"/>
+                    </a:tc>
+                    <a:tc>
+                      <a:txBody>
+                        <a:bodyPr/>
+                        <a:lstStyle/>
+                        <a:p>
+                          <a:r>
+                            <a:rPr lang="en-GB" dirty="0"/>
+                            <a:t>25</a:t>
+                          </a:r>
+                        </a:p>
+                      </a:txBody>
+                      <a:tcPr marL="91975" marR="91975"/>
+                    </a:tc>
+                    <a:tc>
+                      <a:txBody>
+                        <a:bodyPr/>
+                        <a:lstStyle/>
+                        <a:p>
+                          <a:r>
+                            <a:rPr lang="en-GB" dirty="0"/>
+                            <a:t>1</a:t>
+                          </a:r>
+                        </a:p>
+                      </a:txBody>
+                      <a:tcPr marL="91975" marR="91975"/>
+                    </a:tc>
+                    <a:tc>
+                      <a:txBody>
+                        <a:bodyPr/>
+                        <a:lstStyle/>
+                        <a:p>
+                          <a:r>
+                            <a:rPr lang="en-GB" dirty="0"/>
+                            <a:t>0</a:t>
+                          </a:r>
+                        </a:p>
+                      </a:txBody>
+                      <a:tcPr marL="91975" marR="91975"/>
+                    </a:tc>
+                    <a:tc>
+                      <a:txBody>
+                        <a:bodyPr/>
+                        <a:lstStyle/>
+                        <a:p>
+                          <a:pPr/>
+                          <a14:m>
+                            <m:oMathPara xmlns:m="http://schemas.openxmlformats.org/officeDocument/2006/math">
+                              <m:oMathParaPr>
+                                <m:jc m:val="centerGroup"/>
+                              </m:oMathParaPr>
+                              <m:oMath xmlns:m="http://schemas.openxmlformats.org/officeDocument/2006/math">
+                                <m:r>
+                                  <a:rPr lang="en-GB" b="0" smtClean="0"/>
+                                  <m:t>∅</m:t>
+                                </m:r>
+                              </m:oMath>
+                            </m:oMathPara>
+                          </a14:m>
+                          <a:endParaRPr lang="en-GB" dirty="0"/>
+                        </a:p>
+                      </a:txBody>
+                      <a:tcPr marL="91975" marR="91975"/>
+                    </a:tc>
+                    <a:extLst>
+                      <a:ext uri="{0D108BD9-81ED-4DB2-BD59-A6C34878D82A}">
+                        <a16:rowId xmlns:a16="http://schemas.microsoft.com/office/drawing/2014/main" val="830790621"/>
+                      </a:ext>
+                    </a:extLst>
+                  </a:tr>
+                  <a:tr h="370840">
+                    <a:tc>
+                      <a:txBody>
+                        <a:bodyPr/>
+                        <a:lstStyle/>
+                        <a:p>
+                          <a:pPr/>
+                          <a14:m>
+                            <m:oMathPara xmlns:m="http://schemas.openxmlformats.org/officeDocument/2006/math">
+                              <m:oMathParaPr>
+                                <m:jc m:val="centerGroup"/>
+                              </m:oMathParaPr>
+                              <m:oMath xmlns:m="http://schemas.openxmlformats.org/officeDocument/2006/math">
+                                <m:sSub>
+                                  <m:sSubPr>
+                                    <m:ctrlPr>
+                                      <a:rPr lang="en-GB" b="0" smtClean="0"/>
+                                    </m:ctrlPr>
+                                  </m:sSubPr>
+                                  <m:e>
+                                    <m:r>
+                                      <a:rPr lang="en-GB" b="0" smtClean="0"/>
+                                      <m:t>𝐽</m:t>
+                                    </m:r>
+                                  </m:e>
+                                  <m:sub>
+                                    <m:r>
+                                      <a:rPr lang="en-GB" b="0" smtClean="0"/>
+                                      <m:t>1</m:t>
+                                    </m:r>
+                                  </m:sub>
+                                </m:sSub>
+                              </m:oMath>
+                            </m:oMathPara>
+                          </a14:m>
+                          <a:endParaRPr lang="en-GB" dirty="0"/>
+                        </a:p>
+                      </a:txBody>
+                      <a:tcPr marL="91975" marR="91975"/>
+                    </a:tc>
+                    <a:tc>
+                      <a:txBody>
+                        <a:bodyPr/>
+                        <a:lstStyle/>
+                        <a:p>
+                          <a:r>
+                            <a:rPr lang="en-GB" dirty="0"/>
+                            <a:t>10</a:t>
+                          </a:r>
+                        </a:p>
+                      </a:txBody>
+                      <a:tcPr marL="91975" marR="91975"/>
+                    </a:tc>
+                    <a:tc>
+                      <a:txBody>
+                        <a:bodyPr/>
+                        <a:lstStyle/>
+                        <a:p>
+                          <a:r>
+                            <a:rPr lang="en-GB" dirty="0"/>
+                            <a:t>30</a:t>
+                          </a:r>
+                        </a:p>
+                      </a:txBody>
+                      <a:tcPr marL="91975" marR="91975"/>
+                    </a:tc>
+                    <a:tc>
+                      <a:txBody>
+                        <a:bodyPr/>
+                        <a:lstStyle/>
+                        <a:p>
+                          <a:r>
+                            <a:rPr lang="en-GB" dirty="0"/>
+                            <a:t>1</a:t>
+                          </a:r>
+                        </a:p>
+                      </a:txBody>
+                      <a:tcPr marL="91975" marR="91975"/>
+                    </a:tc>
+                    <a:tc>
+                      <a:txBody>
+                        <a:bodyPr/>
+                        <a:lstStyle/>
+                        <a:p>
+                          <a:r>
+                            <a:rPr lang="en-GB" dirty="0"/>
+                            <a:t>0</a:t>
+                          </a:r>
+                        </a:p>
+                      </a:txBody>
+                      <a:tcPr marL="91975" marR="91975"/>
+                    </a:tc>
+                    <a:tc>
+                      <a:txBody>
+                        <a:bodyPr/>
+                        <a:lstStyle/>
+                        <a:p>
+                          <a:pPr/>
+                          <a14:m>
+                            <m:oMathPara xmlns:m="http://schemas.openxmlformats.org/officeDocument/2006/math">
+                              <m:oMathParaPr>
+                                <m:jc m:val="centerGroup"/>
+                              </m:oMathParaPr>
+                              <m:oMath xmlns:m="http://schemas.openxmlformats.org/officeDocument/2006/math">
+                                <m:r>
+                                  <a:rPr lang="en-GB" b="0" smtClean="0"/>
+                                  <m:t>∅</m:t>
+                                </m:r>
+                              </m:oMath>
+                            </m:oMathPara>
+                          </a14:m>
+                          <a:endParaRPr lang="en-GB" dirty="0"/>
+                        </a:p>
+                      </a:txBody>
+                      <a:tcPr marL="91975" marR="91975"/>
+                    </a:tc>
+                    <a:extLst>
+                      <a:ext uri="{0D108BD9-81ED-4DB2-BD59-A6C34878D82A}">
+                        <a16:rowId xmlns:a16="http://schemas.microsoft.com/office/drawing/2014/main" val="3425481463"/>
+                      </a:ext>
+                    </a:extLst>
+                  </a:tr>
+                  <a:tr h="370840">
+                    <a:tc>
+                      <a:txBody>
+                        <a:bodyPr/>
+                        <a:lstStyle/>
+                        <a:p>
+                          <a:pPr/>
+                          <a14:m>
+                            <m:oMathPara xmlns:m="http://schemas.openxmlformats.org/officeDocument/2006/math">
+                              <m:oMathParaPr>
+                                <m:jc m:val="centerGroup"/>
+                              </m:oMathParaPr>
+                              <m:oMath xmlns:m="http://schemas.openxmlformats.org/officeDocument/2006/math">
+                                <m:sSub>
+                                  <m:sSubPr>
+                                    <m:ctrlPr>
+                                      <a:rPr lang="en-GB" b="0" smtClean="0"/>
+                                    </m:ctrlPr>
+                                  </m:sSubPr>
+                                  <m:e>
+                                    <m:r>
+                                      <a:rPr lang="en-GB" b="0" smtClean="0"/>
+                                      <m:t>𝐽</m:t>
+                                    </m:r>
+                                  </m:e>
+                                  <m:sub>
+                                    <m:r>
+                                      <a:rPr lang="en-GB" b="0" smtClean="0"/>
+                                      <m:t>2</m:t>
+                                    </m:r>
+                                  </m:sub>
+                                </m:sSub>
+                              </m:oMath>
+                            </m:oMathPara>
+                          </a14:m>
+                          <a:endParaRPr lang="en-GB" dirty="0"/>
+                        </a:p>
+                      </a:txBody>
+                      <a:tcPr marL="91975" marR="91975"/>
+                    </a:tc>
+                    <a:tc>
+                      <a:txBody>
+                        <a:bodyPr/>
+                        <a:lstStyle/>
+                        <a:p>
+                          <a:r>
+                            <a:rPr lang="en-GB" dirty="0"/>
+                            <a:t>15</a:t>
+                          </a:r>
+                        </a:p>
+                      </a:txBody>
+                      <a:tcPr marL="91975" marR="91975"/>
+                    </a:tc>
+                    <a:tc>
+                      <a:txBody>
+                        <a:bodyPr/>
+                        <a:lstStyle/>
+                        <a:p>
+                          <a:r>
+                            <a:rPr lang="en-GB" dirty="0"/>
+                            <a:t>35</a:t>
+                          </a:r>
+                        </a:p>
+                      </a:txBody>
+                      <a:tcPr marL="91975" marR="91975"/>
+                    </a:tc>
+                    <a:tc>
+                      <a:txBody>
+                        <a:bodyPr/>
+                        <a:lstStyle/>
+                        <a:p>
+                          <a:r>
+                            <a:rPr lang="en-GB" b="0" dirty="0">
+                              <a:solidFill>
+                                <a:schemeClr val="tx1"/>
+                              </a:solidFill>
+                            </a:rPr>
+                            <a:t>1</a:t>
+                          </a:r>
+                        </a:p>
+                      </a:txBody>
+                      <a:tcPr marL="91975" marR="91975"/>
+                    </a:tc>
+                    <a:tc>
+                      <a:txBody>
+                        <a:bodyPr/>
+                        <a:lstStyle/>
+                        <a:p>
+                          <a:r>
+                            <a:rPr lang="en-GB" dirty="0"/>
+                            <a:t>0</a:t>
+                          </a:r>
+                        </a:p>
+                      </a:txBody>
+                      <a:tcPr marL="91975" marR="91975"/>
+                    </a:tc>
+                    <a:tc>
+                      <a:txBody>
+                        <a:bodyPr/>
+                        <a:lstStyle/>
+                        <a:p>
+                          <a:pPr/>
+                          <a14:m>
+                            <m:oMathPara xmlns:m="http://schemas.openxmlformats.org/officeDocument/2006/math">
+                              <m:oMathParaPr>
+                                <m:jc m:val="centerGroup"/>
+                              </m:oMathParaPr>
+                              <m:oMath xmlns:m="http://schemas.openxmlformats.org/officeDocument/2006/math">
+                                <m:r>
+                                  <a:rPr lang="en-GB" b="0" smtClean="0"/>
+                                  <m:t>∅</m:t>
+                                </m:r>
+                              </m:oMath>
+                            </m:oMathPara>
+                          </a14:m>
+                          <a:endParaRPr lang="en-GB" dirty="0"/>
+                        </a:p>
+                      </a:txBody>
+                      <a:tcPr marL="91975" marR="91975"/>
+                    </a:tc>
+                    <a:extLst>
+                      <a:ext uri="{0D108BD9-81ED-4DB2-BD59-A6C34878D82A}">
+                        <a16:rowId xmlns:a16="http://schemas.microsoft.com/office/drawing/2014/main" val="803234941"/>
+                      </a:ext>
+                    </a:extLst>
+                  </a:tr>
+                  <a:tr h="370840">
+                    <a:tc>
+                      <a:txBody>
+                        <a:bodyPr/>
+                        <a:lstStyle/>
+                        <a:p>
+                          <a:pPr/>
+                          <a14:m>
+                            <m:oMathPara xmlns:m="http://schemas.openxmlformats.org/officeDocument/2006/math">
+                              <m:oMathParaPr>
+                                <m:jc m:val="centerGroup"/>
+                              </m:oMathParaPr>
+                              <m:oMath xmlns:m="http://schemas.openxmlformats.org/officeDocument/2006/math">
+                                <m:sSub>
+                                  <m:sSubPr>
+                                    <m:ctrlPr>
+                                      <a:rPr lang="en-GB" b="0" smtClean="0"/>
+                                    </m:ctrlPr>
+                                  </m:sSubPr>
+                                  <m:e>
+                                    <m:r>
+                                      <a:rPr lang="en-GB" b="0" smtClean="0"/>
+                                      <m:t>𝐽</m:t>
+                                    </m:r>
+                                  </m:e>
+                                  <m:sub>
+                                    <m:r>
+                                      <a:rPr lang="en-GB" b="0" smtClean="0"/>
+                                      <m:t>3</m:t>
+                                    </m:r>
+                                  </m:sub>
+                                </m:sSub>
+                              </m:oMath>
+                            </m:oMathPara>
+                          </a14:m>
+                          <a:endParaRPr lang="en-GB" dirty="0"/>
+                        </a:p>
+                      </a:txBody>
+                      <a:tcPr marL="91975" marR="91975"/>
+                    </a:tc>
+                    <a:tc>
+                      <a:txBody>
+                        <a:bodyPr/>
+                        <a:lstStyle/>
+                        <a:p>
+                          <a:r>
+                            <a:rPr lang="en-GB" dirty="0"/>
+                            <a:t>20</a:t>
+                          </a:r>
+                        </a:p>
+                      </a:txBody>
+                      <a:tcPr marL="91975" marR="91975"/>
+                    </a:tc>
+                    <a:tc>
+                      <a:txBody>
+                        <a:bodyPr/>
+                        <a:lstStyle/>
+                        <a:p>
+                          <a:r>
+                            <a:rPr lang="en-GB" dirty="0"/>
+                            <a:t>40</a:t>
+                          </a:r>
+                        </a:p>
+                      </a:txBody>
+                      <a:tcPr marL="91975" marR="91975"/>
+                    </a:tc>
+                    <a:tc>
+                      <a:txBody>
+                        <a:bodyPr/>
+                        <a:lstStyle/>
+                        <a:p>
+                          <a:r>
+                            <a:rPr lang="en-GB" b="0" dirty="0">
+                              <a:solidFill>
+                                <a:schemeClr val="tx1"/>
+                              </a:solidFill>
+                            </a:rPr>
+                            <a:t>1</a:t>
+                          </a:r>
+                        </a:p>
+                      </a:txBody>
+                      <a:tcPr marL="91975" marR="91975"/>
+                    </a:tc>
+                    <a:tc>
+                      <a:txBody>
+                        <a:bodyPr/>
+                        <a:lstStyle/>
+                        <a:p>
+                          <a:r>
+                            <a:rPr lang="en-GB" dirty="0"/>
+                            <a:t>0</a:t>
+                          </a:r>
+                        </a:p>
+                      </a:txBody>
+                      <a:tcPr marL="91975" marR="91975"/>
+                    </a:tc>
+                    <a:tc>
+                      <a:txBody>
+                        <a:bodyPr/>
+                        <a:lstStyle/>
+                        <a:p>
+                          <a:endParaRPr lang="en-GB" dirty="0"/>
+                        </a:p>
+                      </a:txBody>
+                      <a:tcPr marL="91975" marR="91975"/>
+                    </a:tc>
+                    <a:extLst>
+                      <a:ext uri="{0D108BD9-81ED-4DB2-BD59-A6C34878D82A}">
+                        <a16:rowId xmlns:a16="http://schemas.microsoft.com/office/drawing/2014/main" val="374823462"/>
+                      </a:ext>
+                    </a:extLst>
+                  </a:tr>
+                  <a:tr h="370840">
+                    <a:tc>
+                      <a:txBody>
+                        <a:bodyPr/>
+                        <a:lstStyle/>
+                        <a:p>
+                          <a:pPr/>
+                          <a14:m>
+                            <m:oMathPara xmlns:m="http://schemas.openxmlformats.org/officeDocument/2006/math">
+                              <m:oMathParaPr>
+                                <m:jc m:val="centerGroup"/>
+                              </m:oMathParaPr>
+                              <m:oMath xmlns:m="http://schemas.openxmlformats.org/officeDocument/2006/math">
+                                <m:sSub>
+                                  <m:sSubPr>
+                                    <m:ctrlPr>
+                                      <a:rPr lang="en-GB" b="0" smtClean="0"/>
+                                    </m:ctrlPr>
+                                  </m:sSubPr>
+                                  <m:e>
+                                    <m:r>
+                                      <a:rPr lang="en-GB" b="0" smtClean="0"/>
+                                      <m:t>𝐽</m:t>
+                                    </m:r>
+                                  </m:e>
+                                  <m:sub>
+                                    <m:r>
+                                      <a:rPr lang="en-GB" b="0" smtClean="0"/>
+                                      <m:t>4</m:t>
+                                    </m:r>
+                                  </m:sub>
+                                </m:sSub>
+                              </m:oMath>
+                            </m:oMathPara>
+                          </a14:m>
+                          <a:endParaRPr lang="en-GB" dirty="0"/>
+                        </a:p>
+                      </a:txBody>
+                      <a:tcPr marL="91975" marR="91975"/>
+                    </a:tc>
+                    <a:tc>
+                      <a:txBody>
+                        <a:bodyPr/>
+                        <a:lstStyle/>
+                        <a:p>
+                          <a:r>
+                            <a:rPr lang="en-GB" dirty="0"/>
+                            <a:t>10</a:t>
+                          </a:r>
+                        </a:p>
+                      </a:txBody>
+                      <a:tcPr marL="91975" marR="91975"/>
+                    </a:tc>
+                    <a:tc>
+                      <a:txBody>
+                        <a:bodyPr/>
+                        <a:lstStyle/>
+                        <a:p>
+                          <a:r>
+                            <a:rPr lang="en-GB" dirty="0"/>
+                            <a:t>10</a:t>
+                          </a:r>
+                        </a:p>
+                      </a:txBody>
+                      <a:tcPr marL="91975" marR="91975"/>
+                    </a:tc>
+                    <a:tc>
+                      <a:txBody>
+                        <a:bodyPr/>
+                        <a:lstStyle/>
+                        <a:p>
+                          <a:r>
+                            <a:rPr lang="en-GB" b="0" dirty="0">
+                              <a:solidFill>
+                                <a:schemeClr val="tx1"/>
+                              </a:solidFill>
+                            </a:rPr>
+                            <a:t>3</a:t>
+                          </a:r>
+                        </a:p>
+                      </a:txBody>
+                      <a:tcPr marL="91975" marR="91975"/>
+                    </a:tc>
+                    <a:tc>
+                      <a:txBody>
+                        <a:bodyPr/>
+                        <a:lstStyle/>
+                        <a:p>
+                          <a:r>
+                            <a:rPr lang="en-GB" dirty="0"/>
+                            <a:t>0</a:t>
+                          </a:r>
+                        </a:p>
+                      </a:txBody>
+                      <a:tcPr marL="91975" marR="91975"/>
+                    </a:tc>
+                    <a:tc>
+                      <a:txBody>
+                        <a:bodyPr/>
+                        <a:lstStyle/>
+                        <a:p>
+                          <a:pPr/>
+                          <a14:m>
+                            <m:oMathPara xmlns:m="http://schemas.openxmlformats.org/officeDocument/2006/math">
+                              <m:oMathParaPr>
+                                <m:jc m:val="centerGroup"/>
+                              </m:oMathParaPr>
+                              <m:oMath xmlns:m="http://schemas.openxmlformats.org/officeDocument/2006/math">
+                                <m:d>
+                                  <m:dPr>
+                                    <m:begChr m:val="{"/>
+                                    <m:endChr m:val="}"/>
+                                    <m:ctrlPr>
+                                      <a:rPr lang="en-GB" b="0" smtClean="0">
+                                        <a:solidFill>
+                                          <a:schemeClr val="tx1"/>
+                                        </a:solidFill>
+                                      </a:rPr>
+                                    </m:ctrlPr>
+                                  </m:dPr>
+                                  <m:e>
+                                    <m:sSub>
+                                      <m:sSubPr>
+                                        <m:ctrlPr>
+                                          <a:rPr lang="en-GB" b="0" smtClean="0">
+                                            <a:solidFill>
+                                              <a:schemeClr val="tx1"/>
+                                            </a:solidFill>
+                                          </a:rPr>
+                                        </m:ctrlPr>
+                                      </m:sSubPr>
+                                      <m:e>
+                                        <m:r>
+                                          <a:rPr lang="en-GB" b="0" smtClean="0">
+                                            <a:solidFill>
+                                              <a:schemeClr val="tx1"/>
+                                            </a:solidFill>
+                                          </a:rPr>
+                                          <m:t>𝐽</m:t>
+                                        </m:r>
+                                      </m:e>
+                                      <m:sub>
+                                        <m:r>
+                                          <a:rPr lang="en-GB" b="0" smtClean="0">
+                                            <a:solidFill>
+                                              <a:schemeClr val="tx1"/>
+                                            </a:solidFill>
+                                          </a:rPr>
+                                          <m:t>0</m:t>
+                                        </m:r>
+                                      </m:sub>
+                                    </m:sSub>
+                                    <m:r>
+                                      <a:rPr lang="en-GB" b="0" smtClean="0">
+                                        <a:solidFill>
+                                          <a:schemeClr val="tx1"/>
+                                        </a:solidFill>
+                                      </a:rPr>
+                                      <m:t>, </m:t>
+                                    </m:r>
+                                    <m:sSub>
+                                      <m:sSubPr>
+                                        <m:ctrlPr>
+                                          <a:rPr lang="en-GB" b="0" smtClean="0">
+                                            <a:solidFill>
+                                              <a:schemeClr val="tx1"/>
+                                            </a:solidFill>
+                                          </a:rPr>
+                                        </m:ctrlPr>
+                                      </m:sSubPr>
+                                      <m:e>
+                                        <m:r>
+                                          <a:rPr lang="en-GB" b="0" smtClean="0">
+                                            <a:solidFill>
+                                              <a:schemeClr val="tx1"/>
+                                            </a:solidFill>
+                                          </a:rPr>
+                                          <m:t>𝐽</m:t>
+                                        </m:r>
+                                      </m:e>
+                                      <m:sub>
+                                        <m:r>
+                                          <a:rPr lang="en-GB" b="0" smtClean="0">
+                                            <a:solidFill>
+                                              <a:schemeClr val="tx1"/>
+                                            </a:solidFill>
+                                          </a:rPr>
+                                          <m:t>1</m:t>
+                                        </m:r>
+                                      </m:sub>
+                                    </m:sSub>
+                                  </m:e>
+                                </m:d>
+                              </m:oMath>
+                            </m:oMathPara>
+                          </a14:m>
+                          <a:endParaRPr lang="en-GB" dirty="0"/>
+                        </a:p>
+                      </a:txBody>
+                      <a:tcPr marL="91975" marR="91975"/>
+                    </a:tc>
+                    <a:extLst>
+                      <a:ext uri="{0D108BD9-81ED-4DB2-BD59-A6C34878D82A}">
+                        <a16:rowId xmlns:a16="http://schemas.microsoft.com/office/drawing/2014/main" val="2436196836"/>
+                      </a:ext>
+                    </a:extLst>
+                  </a:tr>
+                  <a:tr h="370840">
+                    <a:tc>
+                      <a:txBody>
+                        <a:bodyPr/>
+                        <a:lstStyle/>
+                        <a:p>
+                          <a:pPr/>
+                          <a14:m>
+                            <m:oMathPara xmlns:m="http://schemas.openxmlformats.org/officeDocument/2006/math">
+                              <m:oMathParaPr>
+                                <m:jc m:val="centerGroup"/>
+                              </m:oMathParaPr>
+                              <m:oMath xmlns:m="http://schemas.openxmlformats.org/officeDocument/2006/math">
+                                <m:sSub>
+                                  <m:sSubPr>
+                                    <m:ctrlPr>
+                                      <a:rPr lang="en-GB" b="0" smtClean="0"/>
+                                    </m:ctrlPr>
+                                  </m:sSubPr>
+                                  <m:e>
+                                    <m:r>
+                                      <a:rPr lang="en-GB" b="0" smtClean="0"/>
+                                      <m:t>𝐽</m:t>
+                                    </m:r>
+                                  </m:e>
+                                  <m:sub>
+                                    <m:r>
+                                      <a:rPr lang="en-GB" b="0" smtClean="0"/>
+                                      <m:t>5</m:t>
+                                    </m:r>
+                                  </m:sub>
+                                </m:sSub>
+                              </m:oMath>
+                            </m:oMathPara>
+                          </a14:m>
+                          <a:endParaRPr lang="en-GB" dirty="0"/>
+                        </a:p>
+                      </a:txBody>
+                      <a:tcPr marL="91975" marR="91975">
+                        <a:solidFill>
+                          <a:srgbClr val="FFC000"/>
+                        </a:solidFill>
+                      </a:tcPr>
+                    </a:tc>
+                    <a:tc>
+                      <a:txBody>
+                        <a:bodyPr/>
+                        <a:lstStyle/>
+                        <a:p>
+                          <a:r>
+                            <a:rPr lang="en-GB" dirty="0"/>
+                            <a:t>10</a:t>
+                          </a:r>
+                        </a:p>
+                      </a:txBody>
+                      <a:tcPr marL="91975" marR="91975">
+                        <a:solidFill>
+                          <a:srgbClr val="FFC000"/>
+                        </a:solidFill>
+                      </a:tcPr>
+                    </a:tc>
+                    <a:tc>
+                      <a:txBody>
+                        <a:bodyPr/>
+                        <a:lstStyle/>
+                        <a:p>
+                          <a:r>
+                            <a:rPr lang="en-GB" dirty="0"/>
+                            <a:t>10</a:t>
+                          </a:r>
+                        </a:p>
+                      </a:txBody>
+                      <a:tcPr marL="91975" marR="91975">
+                        <a:solidFill>
+                          <a:srgbClr val="FFC000"/>
+                        </a:solidFill>
+                      </a:tcPr>
+                    </a:tc>
+                    <a:tc>
+                      <a:txBody>
+                        <a:bodyPr/>
+                        <a:lstStyle/>
+                        <a:p>
+                          <a:r>
+                            <a:rPr lang="en-GB" b="0" dirty="0">
+                              <a:solidFill>
+                                <a:schemeClr val="tx1"/>
+                              </a:solidFill>
+                            </a:rPr>
+                            <a:t>3</a:t>
+                          </a:r>
+                        </a:p>
+                      </a:txBody>
+                      <a:tcPr marL="91975" marR="91975">
+                        <a:solidFill>
+                          <a:srgbClr val="FFC000"/>
+                        </a:solidFill>
+                      </a:tcPr>
+                    </a:tc>
+                    <a:tc>
+                      <a:txBody>
+                        <a:bodyPr/>
+                        <a:lstStyle/>
+                        <a:p>
+                          <a:r>
+                            <a:rPr lang="en-GB" dirty="0"/>
+                            <a:t>1</a:t>
+                          </a:r>
+                        </a:p>
+                      </a:txBody>
+                      <a:tcPr marL="91975" marR="91975">
+                        <a:solidFill>
+                          <a:srgbClr val="FFC000"/>
+                        </a:solidFill>
+                      </a:tcPr>
+                    </a:tc>
+                    <a:tc>
+                      <a:txBody>
+                        <a:bodyPr/>
+                        <a:lstStyle/>
+                        <a:p>
+                          <a:pPr/>
+                          <a14:m>
+                            <m:oMathPara xmlns:m="http://schemas.openxmlformats.org/officeDocument/2006/math">
+                              <m:oMathParaPr>
+                                <m:jc m:val="centerGroup"/>
+                              </m:oMathParaPr>
+                              <m:oMath xmlns:m="http://schemas.openxmlformats.org/officeDocument/2006/math">
+                                <m:r>
+                                  <a:rPr lang="en-GB" b="0" smtClean="0"/>
+                                  <m:t>∅</m:t>
+                                </m:r>
+                              </m:oMath>
+                            </m:oMathPara>
+                          </a14:m>
+                          <a:endParaRPr lang="en-GB" dirty="0"/>
+                        </a:p>
+                      </a:txBody>
+                      <a:tcPr marL="91975" marR="91975">
+                        <a:solidFill>
+                          <a:srgbClr val="FFC000"/>
+                        </a:solidFill>
+                      </a:tcPr>
+                    </a:tc>
+                    <a:extLst>
+                      <a:ext uri="{0D108BD9-81ED-4DB2-BD59-A6C34878D82A}">
+                        <a16:rowId xmlns:a16="http://schemas.microsoft.com/office/drawing/2014/main" val="2125500432"/>
+                      </a:ext>
+                    </a:extLst>
+                  </a:tr>
+                </a:tbl>
+              </a:graphicData>
+            </a:graphic>
+          </p:graphicFrame>
+        </mc:Choice>
+        <mc:Fallback>
+          <p:graphicFrame>
+            <p:nvGraphicFramePr>
+              <p:cNvPr id="7" name="Table 7">
+                <a:extLst>
+                  <a:ext uri="{FF2B5EF4-FFF2-40B4-BE49-F238E27FC236}">
+                    <a16:creationId xmlns:a16="http://schemas.microsoft.com/office/drawing/2014/main" id="{C814EFF5-2405-4DEB-8801-70DB10C00A4E}"/>
+                  </a:ext>
+                </a:extLst>
+              </p:cNvPr>
+              <p:cNvGraphicFramePr>
+                <a:graphicFrameLocks noGrp="1"/>
+              </p:cNvGraphicFramePr>
+              <p:nvPr>
+                <p:ph sz="half" idx="2"/>
+                <p:extLst>
+                  <p:ext uri="{D42A27DB-BD31-4B8C-83A1-F6EECF244321}">
+                    <p14:modId xmlns:p14="http://schemas.microsoft.com/office/powerpoint/2010/main" val="1130259066"/>
+                  </p:ext>
+                </p:extLst>
+              </p:nvPr>
+            </p:nvGraphicFramePr>
+            <p:xfrm>
+              <a:off x="696286" y="1999188"/>
+              <a:ext cx="4366724" cy="2612708"/>
+            </p:xfrm>
+            <a:graphic>
+              <a:graphicData uri="http://schemas.openxmlformats.org/drawingml/2006/table">
+                <a:tbl>
+                  <a:tblPr firstRow="1" bandRow="1">
+                    <a:tableStyleId>{7DF18680-E054-41AD-8BC1-D1AEF772440D}</a:tableStyleId>
+                  </a:tblPr>
+                  <a:tblGrid>
+                    <a:gridCol w="626254">
+                      <a:extLst>
+                        <a:ext uri="{9D8B030D-6E8A-4147-A177-3AD203B41FA5}">
+                          <a16:colId xmlns:a16="http://schemas.microsoft.com/office/drawing/2014/main" val="3365389389"/>
+                        </a:ext>
+                      </a:extLst>
+                    </a:gridCol>
+                    <a:gridCol w="675430">
+                      <a:extLst>
+                        <a:ext uri="{9D8B030D-6E8A-4147-A177-3AD203B41FA5}">
+                          <a16:colId xmlns:a16="http://schemas.microsoft.com/office/drawing/2014/main" val="740135117"/>
+                        </a:ext>
+                      </a:extLst>
+                    </a:gridCol>
+                    <a:gridCol w="1096273">
+                      <a:extLst>
+                        <a:ext uri="{9D8B030D-6E8A-4147-A177-3AD203B41FA5}">
+                          <a16:colId xmlns:a16="http://schemas.microsoft.com/office/drawing/2014/main" val="130360751"/>
+                        </a:ext>
+                      </a:extLst>
+                    </a:gridCol>
+                    <a:gridCol w="666957">
+                      <a:extLst>
+                        <a:ext uri="{9D8B030D-6E8A-4147-A177-3AD203B41FA5}">
+                          <a16:colId xmlns:a16="http://schemas.microsoft.com/office/drawing/2014/main" val="2534150074"/>
+                        </a:ext>
+                      </a:extLst>
+                    </a:gridCol>
+                    <a:gridCol w="327051">
+                      <a:extLst>
+                        <a:ext uri="{9D8B030D-6E8A-4147-A177-3AD203B41FA5}">
+                          <a16:colId xmlns:a16="http://schemas.microsoft.com/office/drawing/2014/main" val="4088861154"/>
+                        </a:ext>
+                      </a:extLst>
+                    </a:gridCol>
+                    <a:gridCol w="974759">
+                      <a:extLst>
+                        <a:ext uri="{9D8B030D-6E8A-4147-A177-3AD203B41FA5}">
+                          <a16:colId xmlns:a16="http://schemas.microsoft.com/office/drawing/2014/main" val="2816938464"/>
+                        </a:ext>
+                      </a:extLst>
+                    </a:gridCol>
+                  </a:tblGrid>
+                  <a:tr h="387668">
+                    <a:tc>
+                      <a:txBody>
+                        <a:bodyPr/>
+                        <a:lstStyle/>
+                        <a:p>
+                          <a:endParaRPr lang="en-US"/>
+                        </a:p>
+                      </a:txBody>
+                      <a:tcPr marL="91975" marR="91975">
+                        <a:blipFill>
+                          <a:blip r:embed="rId3"/>
+                          <a:stretch>
+                            <a:fillRect l="-971" t="-1563" r="-600000" b="-595313"/>
+                          </a:stretch>
+                        </a:blipFill>
+                      </a:tcPr>
+                    </a:tc>
+                    <a:tc>
+                      <a:txBody>
+                        <a:bodyPr/>
+                        <a:lstStyle/>
+                        <a:p>
+                          <a:endParaRPr lang="en-US"/>
+                        </a:p>
+                      </a:txBody>
+                      <a:tcPr marL="91975" marR="91975">
+                        <a:blipFill>
+                          <a:blip r:embed="rId3"/>
+                          <a:stretch>
+                            <a:fillRect l="-93694" t="-1563" r="-456757" b="-595313"/>
+                          </a:stretch>
+                        </a:blipFill>
+                      </a:tcPr>
+                    </a:tc>
+                    <a:tc>
+                      <a:txBody>
+                        <a:bodyPr/>
+                        <a:lstStyle/>
+                        <a:p>
+                          <a:endParaRPr lang="en-US"/>
+                        </a:p>
+                      </a:txBody>
+                      <a:tcPr marL="91975" marR="91975">
+                        <a:blipFill>
+                          <a:blip r:embed="rId3"/>
+                          <a:stretch>
+                            <a:fillRect l="-119444" t="-1563" r="-181667" b="-595313"/>
+                          </a:stretch>
+                        </a:blipFill>
+                      </a:tcPr>
+                    </a:tc>
+                    <a:tc>
+                      <a:txBody>
+                        <a:bodyPr/>
+                        <a:lstStyle/>
+                        <a:p>
+                          <a:endParaRPr lang="en-US"/>
+                        </a:p>
+                      </a:txBody>
+                      <a:tcPr marL="91975" marR="91975">
+                        <a:blipFill>
+                          <a:blip r:embed="rId3"/>
+                          <a:stretch>
+                            <a:fillRect l="-362385" t="-1563" r="-200000" b="-595313"/>
+                          </a:stretch>
+                        </a:blipFill>
+                      </a:tcPr>
+                    </a:tc>
+                    <a:tc>
+                      <a:txBody>
+                        <a:bodyPr/>
+                        <a:lstStyle/>
+                        <a:p>
+                          <a:endParaRPr lang="en-US"/>
+                        </a:p>
+                      </a:txBody>
+                      <a:tcPr marL="91975" marR="91975">
+                        <a:blipFill>
+                          <a:blip r:embed="rId3"/>
+                          <a:stretch>
+                            <a:fillRect l="-933333" t="-1563" r="-303704" b="-595313"/>
+                          </a:stretch>
+                        </a:blipFill>
+                      </a:tcPr>
+                    </a:tc>
+                    <a:tc>
+                      <a:txBody>
+                        <a:bodyPr/>
+                        <a:lstStyle/>
+                        <a:p>
+                          <a:endParaRPr lang="en-US"/>
+                        </a:p>
+                      </a:txBody>
+                      <a:tcPr marL="91975" marR="91975">
+                        <a:blipFill>
+                          <a:blip r:embed="rId3"/>
+                          <a:stretch>
+                            <a:fillRect l="-348750" t="-1563" r="-2500" b="-595313"/>
+                          </a:stretch>
+                        </a:blipFill>
+                      </a:tcPr>
+                    </a:tc>
+                    <a:extLst>
+                      <a:ext uri="{0D108BD9-81ED-4DB2-BD59-A6C34878D82A}">
+                        <a16:rowId xmlns:a16="http://schemas.microsoft.com/office/drawing/2014/main" val="1356383853"/>
+                      </a:ext>
+                    </a:extLst>
+                  </a:tr>
+                  <a:tr h="370840">
+                    <a:tc>
+                      <a:txBody>
+                        <a:bodyPr/>
+                        <a:lstStyle/>
+                        <a:p>
+                          <a:endParaRPr lang="en-US"/>
+                        </a:p>
+                      </a:txBody>
+                      <a:tcPr marL="91975" marR="91975">
+                        <a:blipFill>
+                          <a:blip r:embed="rId3"/>
+                          <a:stretch>
+                            <a:fillRect l="-971" t="-106557" r="-600000" b="-524590"/>
+                          </a:stretch>
+                        </a:blipFill>
+                      </a:tcPr>
+                    </a:tc>
+                    <a:tc>
+                      <a:txBody>
+                        <a:bodyPr/>
+                        <a:lstStyle/>
+                        <a:p>
+                          <a:r>
+                            <a:rPr lang="en-GB" dirty="0"/>
+                            <a:t>5</a:t>
+                          </a:r>
+                        </a:p>
+                      </a:txBody>
+                      <a:tcPr marL="91975" marR="91975"/>
+                    </a:tc>
+                    <a:tc>
+                      <a:txBody>
+                        <a:bodyPr/>
+                        <a:lstStyle/>
+                        <a:p>
+                          <a:r>
+                            <a:rPr lang="en-GB" dirty="0"/>
+                            <a:t>25</a:t>
+                          </a:r>
+                        </a:p>
+                      </a:txBody>
+                      <a:tcPr marL="91975" marR="91975"/>
+                    </a:tc>
+                    <a:tc>
+                      <a:txBody>
+                        <a:bodyPr/>
+                        <a:lstStyle/>
+                        <a:p>
+                          <a:r>
+                            <a:rPr lang="en-GB" dirty="0"/>
+                            <a:t>1</a:t>
+                          </a:r>
+                        </a:p>
+                      </a:txBody>
+                      <a:tcPr marL="91975" marR="91975"/>
+                    </a:tc>
+                    <a:tc>
+                      <a:txBody>
+                        <a:bodyPr/>
+                        <a:lstStyle/>
+                        <a:p>
+                          <a:r>
+                            <a:rPr lang="en-GB" dirty="0"/>
+                            <a:t>0</a:t>
+                          </a:r>
+                        </a:p>
+                      </a:txBody>
+                      <a:tcPr marL="91975" marR="91975"/>
+                    </a:tc>
+                    <a:tc>
+                      <a:txBody>
+                        <a:bodyPr/>
+                        <a:lstStyle/>
+                        <a:p>
+                          <a:endParaRPr lang="en-US"/>
+                        </a:p>
+                      </a:txBody>
+                      <a:tcPr marL="91975" marR="91975">
+                        <a:blipFill>
+                          <a:blip r:embed="rId3"/>
+                          <a:stretch>
+                            <a:fillRect l="-348750" t="-106557" r="-2500" b="-524590"/>
+                          </a:stretch>
+                        </a:blipFill>
+                      </a:tcPr>
+                    </a:tc>
+                    <a:extLst>
+                      <a:ext uri="{0D108BD9-81ED-4DB2-BD59-A6C34878D82A}">
+                        <a16:rowId xmlns:a16="http://schemas.microsoft.com/office/drawing/2014/main" val="830790621"/>
+                      </a:ext>
+                    </a:extLst>
+                  </a:tr>
+                  <a:tr h="370840">
+                    <a:tc>
+                      <a:txBody>
+                        <a:bodyPr/>
+                        <a:lstStyle/>
+                        <a:p>
+                          <a:endParaRPr lang="en-US"/>
+                        </a:p>
+                      </a:txBody>
+                      <a:tcPr marL="91975" marR="91975">
+                        <a:blipFill>
+                          <a:blip r:embed="rId3"/>
+                          <a:stretch>
+                            <a:fillRect l="-971" t="-206557" r="-600000" b="-424590"/>
+                          </a:stretch>
+                        </a:blipFill>
+                      </a:tcPr>
+                    </a:tc>
+                    <a:tc>
+                      <a:txBody>
+                        <a:bodyPr/>
+                        <a:lstStyle/>
+                        <a:p>
+                          <a:r>
+                            <a:rPr lang="en-GB" dirty="0"/>
+                            <a:t>10</a:t>
+                          </a:r>
+                        </a:p>
+                      </a:txBody>
+                      <a:tcPr marL="91975" marR="91975"/>
+                    </a:tc>
+                    <a:tc>
+                      <a:txBody>
+                        <a:bodyPr/>
+                        <a:lstStyle/>
+                        <a:p>
+                          <a:r>
+                            <a:rPr lang="en-GB" dirty="0"/>
+                            <a:t>30</a:t>
+                          </a:r>
+                        </a:p>
+                      </a:txBody>
+                      <a:tcPr marL="91975" marR="91975"/>
+                    </a:tc>
+                    <a:tc>
+                      <a:txBody>
+                        <a:bodyPr/>
+                        <a:lstStyle/>
+                        <a:p>
+                          <a:r>
+                            <a:rPr lang="en-GB" dirty="0"/>
+                            <a:t>1</a:t>
+                          </a:r>
+                        </a:p>
+                      </a:txBody>
+                      <a:tcPr marL="91975" marR="91975"/>
+                    </a:tc>
+                    <a:tc>
+                      <a:txBody>
+                        <a:bodyPr/>
+                        <a:lstStyle/>
+                        <a:p>
+                          <a:r>
+                            <a:rPr lang="en-GB" dirty="0"/>
+                            <a:t>0</a:t>
+                          </a:r>
+                        </a:p>
+                      </a:txBody>
+                      <a:tcPr marL="91975" marR="91975"/>
+                    </a:tc>
+                    <a:tc>
+                      <a:txBody>
+                        <a:bodyPr/>
+                        <a:lstStyle/>
+                        <a:p>
+                          <a:endParaRPr lang="en-US"/>
+                        </a:p>
+                      </a:txBody>
+                      <a:tcPr marL="91975" marR="91975">
+                        <a:blipFill>
+                          <a:blip r:embed="rId3"/>
+                          <a:stretch>
+                            <a:fillRect l="-348750" t="-206557" r="-2500" b="-424590"/>
+                          </a:stretch>
+                        </a:blipFill>
+                      </a:tcPr>
+                    </a:tc>
+                    <a:extLst>
+                      <a:ext uri="{0D108BD9-81ED-4DB2-BD59-A6C34878D82A}">
+                        <a16:rowId xmlns:a16="http://schemas.microsoft.com/office/drawing/2014/main" val="3425481463"/>
+                      </a:ext>
+                    </a:extLst>
+                  </a:tr>
+                  <a:tr h="370840">
+                    <a:tc>
+                      <a:txBody>
+                        <a:bodyPr/>
+                        <a:lstStyle/>
+                        <a:p>
+                          <a:endParaRPr lang="en-US"/>
+                        </a:p>
+                      </a:txBody>
+                      <a:tcPr marL="91975" marR="91975">
+                        <a:blipFill>
+                          <a:blip r:embed="rId3"/>
+                          <a:stretch>
+                            <a:fillRect l="-971" t="-306557" r="-600000" b="-324590"/>
+                          </a:stretch>
+                        </a:blipFill>
+                      </a:tcPr>
+                    </a:tc>
+                    <a:tc>
+                      <a:txBody>
+                        <a:bodyPr/>
+                        <a:lstStyle/>
+                        <a:p>
+                          <a:r>
+                            <a:rPr lang="en-GB" dirty="0"/>
+                            <a:t>15</a:t>
+                          </a:r>
+                        </a:p>
+                      </a:txBody>
+                      <a:tcPr marL="91975" marR="91975"/>
+                    </a:tc>
+                    <a:tc>
+                      <a:txBody>
+                        <a:bodyPr/>
+                        <a:lstStyle/>
+                        <a:p>
+                          <a:r>
+                            <a:rPr lang="en-GB" dirty="0"/>
+                            <a:t>35</a:t>
+                          </a:r>
+                        </a:p>
+                      </a:txBody>
+                      <a:tcPr marL="91975" marR="91975"/>
+                    </a:tc>
+                    <a:tc>
+                      <a:txBody>
+                        <a:bodyPr/>
+                        <a:lstStyle/>
+                        <a:p>
+                          <a:r>
+                            <a:rPr lang="en-GB" b="0" dirty="0">
+                              <a:solidFill>
+                                <a:schemeClr val="tx1"/>
+                              </a:solidFill>
+                            </a:rPr>
+                            <a:t>1</a:t>
+                          </a:r>
+                        </a:p>
+                      </a:txBody>
+                      <a:tcPr marL="91975" marR="91975"/>
+                    </a:tc>
+                    <a:tc>
+                      <a:txBody>
+                        <a:bodyPr/>
+                        <a:lstStyle/>
+                        <a:p>
+                          <a:r>
+                            <a:rPr lang="en-GB" dirty="0"/>
+                            <a:t>0</a:t>
+                          </a:r>
+                        </a:p>
+                      </a:txBody>
+                      <a:tcPr marL="91975" marR="91975"/>
+                    </a:tc>
+                    <a:tc>
+                      <a:txBody>
+                        <a:bodyPr/>
+                        <a:lstStyle/>
+                        <a:p>
+                          <a:endParaRPr lang="en-US"/>
+                        </a:p>
+                      </a:txBody>
+                      <a:tcPr marL="91975" marR="91975">
+                        <a:blipFill>
+                          <a:blip r:embed="rId3"/>
+                          <a:stretch>
+                            <a:fillRect l="-348750" t="-306557" r="-2500" b="-324590"/>
+                          </a:stretch>
+                        </a:blipFill>
+                      </a:tcPr>
+                    </a:tc>
+                    <a:extLst>
+                      <a:ext uri="{0D108BD9-81ED-4DB2-BD59-A6C34878D82A}">
+                        <a16:rowId xmlns:a16="http://schemas.microsoft.com/office/drawing/2014/main" val="803234941"/>
+                      </a:ext>
+                    </a:extLst>
+                  </a:tr>
+                  <a:tr h="370840">
+                    <a:tc>
+                      <a:txBody>
+                        <a:bodyPr/>
+                        <a:lstStyle/>
+                        <a:p>
+                          <a:endParaRPr lang="en-US"/>
+                        </a:p>
+                      </a:txBody>
+                      <a:tcPr marL="91975" marR="91975">
+                        <a:blipFill>
+                          <a:blip r:embed="rId3"/>
+                          <a:stretch>
+                            <a:fillRect l="-971" t="-406557" r="-600000" b="-224590"/>
+                          </a:stretch>
+                        </a:blipFill>
+                      </a:tcPr>
+                    </a:tc>
+                    <a:tc>
+                      <a:txBody>
+                        <a:bodyPr/>
+                        <a:lstStyle/>
+                        <a:p>
+                          <a:r>
+                            <a:rPr lang="en-GB" dirty="0"/>
+                            <a:t>20</a:t>
+                          </a:r>
+                        </a:p>
+                      </a:txBody>
+                      <a:tcPr marL="91975" marR="91975"/>
+                    </a:tc>
+                    <a:tc>
+                      <a:txBody>
+                        <a:bodyPr/>
+                        <a:lstStyle/>
+                        <a:p>
+                          <a:r>
+                            <a:rPr lang="en-GB" dirty="0"/>
+                            <a:t>40</a:t>
+                          </a:r>
+                        </a:p>
+                      </a:txBody>
+                      <a:tcPr marL="91975" marR="91975"/>
+                    </a:tc>
+                    <a:tc>
+                      <a:txBody>
+                        <a:bodyPr/>
+                        <a:lstStyle/>
+                        <a:p>
+                          <a:r>
+                            <a:rPr lang="en-GB" b="0" dirty="0">
+                              <a:solidFill>
+                                <a:schemeClr val="tx1"/>
+                              </a:solidFill>
+                            </a:rPr>
+                            <a:t>1</a:t>
+                          </a:r>
+                        </a:p>
+                      </a:txBody>
+                      <a:tcPr marL="91975" marR="91975"/>
+                    </a:tc>
+                    <a:tc>
+                      <a:txBody>
+                        <a:bodyPr/>
+                        <a:lstStyle/>
+                        <a:p>
+                          <a:r>
+                            <a:rPr lang="en-GB" dirty="0"/>
+                            <a:t>0</a:t>
+                          </a:r>
+                        </a:p>
+                      </a:txBody>
+                      <a:tcPr marL="91975" marR="91975"/>
+                    </a:tc>
+                    <a:tc>
+                      <a:txBody>
+                        <a:bodyPr/>
+                        <a:lstStyle/>
+                        <a:p>
+                          <a:endParaRPr lang="en-GB" dirty="0"/>
+                        </a:p>
+                      </a:txBody>
+                      <a:tcPr marL="91975" marR="91975"/>
+                    </a:tc>
+                    <a:extLst>
+                      <a:ext uri="{0D108BD9-81ED-4DB2-BD59-A6C34878D82A}">
+                        <a16:rowId xmlns:a16="http://schemas.microsoft.com/office/drawing/2014/main" val="374823462"/>
+                      </a:ext>
+                    </a:extLst>
+                  </a:tr>
+                  <a:tr h="370840">
+                    <a:tc>
+                      <a:txBody>
+                        <a:bodyPr/>
+                        <a:lstStyle/>
+                        <a:p>
+                          <a:endParaRPr lang="en-US"/>
+                        </a:p>
+                      </a:txBody>
+                      <a:tcPr marL="91975" marR="91975">
+                        <a:blipFill>
+                          <a:blip r:embed="rId3"/>
+                          <a:stretch>
+                            <a:fillRect l="-971" t="-506557" r="-600000" b="-124590"/>
+                          </a:stretch>
+                        </a:blipFill>
+                      </a:tcPr>
+                    </a:tc>
+                    <a:tc>
+                      <a:txBody>
+                        <a:bodyPr/>
+                        <a:lstStyle/>
+                        <a:p>
+                          <a:r>
+                            <a:rPr lang="en-GB" dirty="0"/>
+                            <a:t>10</a:t>
+                          </a:r>
+                        </a:p>
+                      </a:txBody>
+                      <a:tcPr marL="91975" marR="91975"/>
+                    </a:tc>
+                    <a:tc>
+                      <a:txBody>
+                        <a:bodyPr/>
+                        <a:lstStyle/>
+                        <a:p>
+                          <a:r>
+                            <a:rPr lang="en-GB" dirty="0"/>
+                            <a:t>10</a:t>
+                          </a:r>
+                        </a:p>
+                      </a:txBody>
+                      <a:tcPr marL="91975" marR="91975"/>
+                    </a:tc>
+                    <a:tc>
+                      <a:txBody>
+                        <a:bodyPr/>
+                        <a:lstStyle/>
+                        <a:p>
+                          <a:r>
+                            <a:rPr lang="en-GB" b="0" dirty="0">
+                              <a:solidFill>
+                                <a:schemeClr val="tx1"/>
+                              </a:solidFill>
+                            </a:rPr>
+                            <a:t>3</a:t>
+                          </a:r>
+                        </a:p>
+                      </a:txBody>
+                      <a:tcPr marL="91975" marR="91975"/>
+                    </a:tc>
+                    <a:tc>
+                      <a:txBody>
+                        <a:bodyPr/>
+                        <a:lstStyle/>
+                        <a:p>
+                          <a:r>
+                            <a:rPr lang="en-GB" dirty="0"/>
+                            <a:t>0</a:t>
+                          </a:r>
+                        </a:p>
+                      </a:txBody>
+                      <a:tcPr marL="91975" marR="91975"/>
+                    </a:tc>
+                    <a:tc>
+                      <a:txBody>
+                        <a:bodyPr/>
+                        <a:lstStyle/>
+                        <a:p>
+                          <a:endParaRPr lang="en-US"/>
+                        </a:p>
+                      </a:txBody>
+                      <a:tcPr marL="91975" marR="91975">
+                        <a:blipFill>
+                          <a:blip r:embed="rId3"/>
+                          <a:stretch>
+                            <a:fillRect l="-348750" t="-506557" r="-2500" b="-124590"/>
+                          </a:stretch>
+                        </a:blipFill>
+                      </a:tcPr>
+                    </a:tc>
+                    <a:extLst>
+                      <a:ext uri="{0D108BD9-81ED-4DB2-BD59-A6C34878D82A}">
+                        <a16:rowId xmlns:a16="http://schemas.microsoft.com/office/drawing/2014/main" val="2436196836"/>
+                      </a:ext>
+                    </a:extLst>
+                  </a:tr>
+                  <a:tr h="370840">
+                    <a:tc>
+                      <a:txBody>
+                        <a:bodyPr/>
+                        <a:lstStyle/>
+                        <a:p>
+                          <a:endParaRPr lang="en-US"/>
+                        </a:p>
+                      </a:txBody>
+                      <a:tcPr marL="91975" marR="91975">
+                        <a:blipFill>
+                          <a:blip r:embed="rId3"/>
+                          <a:stretch>
+                            <a:fillRect l="-971" t="-606557" r="-600000" b="-24590"/>
+                          </a:stretch>
+                        </a:blipFill>
+                      </a:tcPr>
+                    </a:tc>
+                    <a:tc>
+                      <a:txBody>
+                        <a:bodyPr/>
+                        <a:lstStyle/>
+                        <a:p>
+                          <a:r>
+                            <a:rPr lang="en-GB" dirty="0"/>
+                            <a:t>10</a:t>
+                          </a:r>
+                        </a:p>
+                      </a:txBody>
+                      <a:tcPr marL="91975" marR="91975">
+                        <a:solidFill>
+                          <a:srgbClr val="FFC000"/>
+                        </a:solidFill>
+                      </a:tcPr>
+                    </a:tc>
+                    <a:tc>
+                      <a:txBody>
+                        <a:bodyPr/>
+                        <a:lstStyle/>
+                        <a:p>
+                          <a:r>
+                            <a:rPr lang="en-GB" dirty="0"/>
+                            <a:t>10</a:t>
+                          </a:r>
+                        </a:p>
+                      </a:txBody>
+                      <a:tcPr marL="91975" marR="91975">
+                        <a:solidFill>
+                          <a:srgbClr val="FFC000"/>
+                        </a:solidFill>
+                      </a:tcPr>
+                    </a:tc>
+                    <a:tc>
+                      <a:txBody>
+                        <a:bodyPr/>
+                        <a:lstStyle/>
+                        <a:p>
+                          <a:r>
+                            <a:rPr lang="en-GB" b="0" dirty="0">
+                              <a:solidFill>
+                                <a:schemeClr val="tx1"/>
+                              </a:solidFill>
+                            </a:rPr>
+                            <a:t>3</a:t>
+                          </a:r>
+                        </a:p>
+                      </a:txBody>
+                      <a:tcPr marL="91975" marR="91975">
+                        <a:solidFill>
+                          <a:srgbClr val="FFC000"/>
+                        </a:solidFill>
+                      </a:tcPr>
+                    </a:tc>
+                    <a:tc>
+                      <a:txBody>
+                        <a:bodyPr/>
+                        <a:lstStyle/>
+                        <a:p>
+                          <a:r>
+                            <a:rPr lang="en-GB" dirty="0"/>
+                            <a:t>1</a:t>
+                          </a:r>
+                        </a:p>
+                      </a:txBody>
+                      <a:tcPr marL="91975" marR="91975">
+                        <a:solidFill>
+                          <a:srgbClr val="FFC000"/>
+                        </a:solidFill>
+                      </a:tcPr>
+                    </a:tc>
+                    <a:tc>
+                      <a:txBody>
+                        <a:bodyPr/>
+                        <a:lstStyle/>
+                        <a:p>
+                          <a:endParaRPr lang="en-US"/>
+                        </a:p>
+                      </a:txBody>
+                      <a:tcPr marL="91975" marR="91975">
+                        <a:blipFill>
+                          <a:blip r:embed="rId3"/>
+                          <a:stretch>
+                            <a:fillRect l="-348750" t="-606557" r="-2500" b="-24590"/>
+                          </a:stretch>
+                        </a:blipFill>
+                      </a:tcPr>
+                    </a:tc>
+                    <a:extLst>
+                      <a:ext uri="{0D108BD9-81ED-4DB2-BD59-A6C34878D82A}">
+                        <a16:rowId xmlns:a16="http://schemas.microsoft.com/office/drawing/2014/main" val="2125500432"/>
+                      </a:ext>
+                    </a:extLst>
+                  </a:tr>
+                </a:tbl>
+              </a:graphicData>
+            </a:graphic>
+          </p:graphicFrame>
+        </mc:Fallback>
+      </mc:AlternateContent>
+      <p:sp>
+        <p:nvSpPr>
+          <p:cNvPr id="4" name="Slide Number Placeholder 3">
+            <a:extLst>
+              <a:ext uri="{FF2B5EF4-FFF2-40B4-BE49-F238E27FC236}">
+                <a16:creationId xmlns:a16="http://schemas.microsoft.com/office/drawing/2014/main" id="{8799C7E3-5C18-4C8D-982B-2AE9ECF397CE}"/>
+              </a:ext>
+            </a:extLst>
+          </p:cNvPr>
+          <p:cNvSpPr>
+            <a:spLocks noGrp="1"/>
+          </p:cNvSpPr>
+          <p:nvPr>
+            <p:ph type="sldNum" sz="quarter" idx="12"/>
+          </p:nvPr>
+        </p:nvSpPr>
+        <p:spPr/>
+        <p:txBody>
+          <a:bodyPr anchor="ctr">
+            <a:normAutofit/>
+          </a:bodyPr>
+          <a:lstStyle/>
+          <a:p>
+            <a:pPr>
+              <a:spcAft>
+                <a:spcPts val="600"/>
+              </a:spcAft>
+            </a:pPr>
+            <a:fld id="{6565F0C3-D9E9-4961-A3A4-87F2116D4289}" type="slidenum">
+              <a:rPr lang="en-GB" smtClean="0"/>
+              <a:pPr>
+                <a:spcAft>
+                  <a:spcPts val="600"/>
+                </a:spcAft>
+              </a:pPr>
+              <a:t>10</a:t>
+            </a:fld>
+            <a:endParaRPr lang="en-GB"/>
+          </a:p>
+        </p:txBody>
+      </p:sp>
+      <p:pic>
+        <p:nvPicPr>
+          <p:cNvPr id="8" name="state_00">
+            <a:extLst>
+              <a:ext uri="{FF2B5EF4-FFF2-40B4-BE49-F238E27FC236}">
+                <a16:creationId xmlns:a16="http://schemas.microsoft.com/office/drawing/2014/main" id="{7B91B91E-681C-4624-994B-CDFDAE6F3A11}"/>
+              </a:ext>
+            </a:extLst>
+          </p:cNvPr>
+          <p:cNvPicPr>
+            <a:picLocks noChangeAspect="1"/>
+          </p:cNvPicPr>
+          <p:nvPr/>
+        </p:nvPicPr>
+        <p:blipFill>
+          <a:blip r:embed="rId4">
+            <a:extLst>
+              <a:ext uri="{28A0092B-C50C-407E-A947-70E740481C1C}">
+                <a14:useLocalDpi xmlns:a14="http://schemas.microsoft.com/office/drawing/2010/main" val="0"/>
+              </a:ext>
+            </a:extLst>
+          </a:blip>
+          <a:srcRect/>
+          <a:stretch/>
+        </p:blipFill>
+        <p:spPr>
+          <a:xfrm>
+            <a:off x="5398663" y="2136371"/>
+            <a:ext cx="6423872" cy="2338342"/>
+          </a:xfrm>
+          <a:prstGeom prst="rect">
+            <a:avLst/>
+          </a:prstGeom>
+          <a:noFill/>
+        </p:spPr>
+      </p:pic>
+      <p:pic>
+        <p:nvPicPr>
+          <p:cNvPr id="10" name="state_01">
+            <a:extLst>
+              <a:ext uri="{FF2B5EF4-FFF2-40B4-BE49-F238E27FC236}">
+                <a16:creationId xmlns:a16="http://schemas.microsoft.com/office/drawing/2014/main" id="{28D37AE5-A220-4958-AEBA-672CE28622B9}"/>
+              </a:ext>
+            </a:extLst>
+          </p:cNvPr>
+          <p:cNvPicPr>
+            <a:picLocks noChangeAspect="1"/>
+          </p:cNvPicPr>
+          <p:nvPr/>
+        </p:nvPicPr>
+        <p:blipFill>
+          <a:blip r:embed="rId5">
+            <a:extLst>
+              <a:ext uri="{28A0092B-C50C-407E-A947-70E740481C1C}">
+                <a14:useLocalDpi xmlns:a14="http://schemas.microsoft.com/office/drawing/2010/main" val="0"/>
+              </a:ext>
+            </a:extLst>
+          </a:blip>
+          <a:srcRect/>
+          <a:stretch/>
+        </p:blipFill>
+        <p:spPr>
+          <a:xfrm>
+            <a:off x="5398663" y="2136371"/>
+            <a:ext cx="6423872" cy="2338341"/>
+          </a:xfrm>
+          <a:prstGeom prst="rect">
+            <a:avLst/>
+          </a:prstGeom>
+          <a:noFill/>
+        </p:spPr>
+      </p:pic>
+      <p:pic>
+        <p:nvPicPr>
+          <p:cNvPr id="11" name="state_02">
+            <a:extLst>
+              <a:ext uri="{FF2B5EF4-FFF2-40B4-BE49-F238E27FC236}">
+                <a16:creationId xmlns:a16="http://schemas.microsoft.com/office/drawing/2014/main" id="{49EE2244-2995-4458-A0B5-1522CAA461FB}"/>
+              </a:ext>
+            </a:extLst>
+          </p:cNvPr>
+          <p:cNvPicPr>
+            <a:picLocks noChangeAspect="1"/>
+          </p:cNvPicPr>
+          <p:nvPr/>
+        </p:nvPicPr>
+        <p:blipFill>
+          <a:blip r:embed="rId6">
+            <a:extLst>
+              <a:ext uri="{28A0092B-C50C-407E-A947-70E740481C1C}">
+                <a14:useLocalDpi xmlns:a14="http://schemas.microsoft.com/office/drawing/2010/main" val="0"/>
+              </a:ext>
+            </a:extLst>
+          </a:blip>
+          <a:srcRect/>
+          <a:stretch/>
+        </p:blipFill>
+        <p:spPr>
+          <a:xfrm>
+            <a:off x="5398663" y="2136370"/>
+            <a:ext cx="6423872" cy="2338341"/>
+          </a:xfrm>
+          <a:prstGeom prst="rect">
+            <a:avLst/>
+          </a:prstGeom>
+          <a:noFill/>
+        </p:spPr>
+      </p:pic>
+      <p:pic>
+        <p:nvPicPr>
+          <p:cNvPr id="13" name="state_03">
+            <a:extLst>
+              <a:ext uri="{FF2B5EF4-FFF2-40B4-BE49-F238E27FC236}">
+                <a16:creationId xmlns:a16="http://schemas.microsoft.com/office/drawing/2014/main" id="{9DC5AFA5-3CD9-43D2-AC4B-2A5B15E32732}"/>
+              </a:ext>
+            </a:extLst>
+          </p:cNvPr>
+          <p:cNvPicPr>
+            <a:picLocks noChangeAspect="1"/>
+          </p:cNvPicPr>
+          <p:nvPr/>
+        </p:nvPicPr>
+        <p:blipFill>
+          <a:blip r:embed="rId7">
+            <a:extLst>
+              <a:ext uri="{28A0092B-C50C-407E-A947-70E740481C1C}">
+                <a14:useLocalDpi xmlns:a14="http://schemas.microsoft.com/office/drawing/2010/main" val="0"/>
+              </a:ext>
+            </a:extLst>
+          </a:blip>
+          <a:srcRect/>
+          <a:stretch/>
+        </p:blipFill>
+        <p:spPr>
+          <a:xfrm>
+            <a:off x="5398663" y="2136370"/>
+            <a:ext cx="6423872" cy="2338341"/>
+          </a:xfrm>
+          <a:prstGeom prst="rect">
+            <a:avLst/>
+          </a:prstGeom>
+          <a:noFill/>
+        </p:spPr>
+      </p:pic>
+      <p:pic>
+        <p:nvPicPr>
+          <p:cNvPr id="14" name="state_03_job">
+            <a:extLst>
+              <a:ext uri="{FF2B5EF4-FFF2-40B4-BE49-F238E27FC236}">
+                <a16:creationId xmlns:a16="http://schemas.microsoft.com/office/drawing/2014/main" id="{E6BBDCEF-420F-4423-8BEA-8F3CE4C425DD}"/>
+              </a:ext>
+            </a:extLst>
+          </p:cNvPr>
+          <p:cNvPicPr>
+            <a:picLocks noChangeAspect="1"/>
+          </p:cNvPicPr>
+          <p:nvPr/>
+        </p:nvPicPr>
+        <p:blipFill>
+          <a:blip r:embed="rId8">
+            <a:extLst>
+              <a:ext uri="{28A0092B-C50C-407E-A947-70E740481C1C}">
+                <a14:useLocalDpi xmlns:a14="http://schemas.microsoft.com/office/drawing/2010/main" val="0"/>
+              </a:ext>
+            </a:extLst>
+          </a:blip>
+          <a:srcRect/>
+          <a:stretch/>
+        </p:blipFill>
+        <p:spPr>
+          <a:xfrm>
+            <a:off x="5398663" y="2136370"/>
+            <a:ext cx="6423872" cy="2338341"/>
+          </a:xfrm>
+          <a:prstGeom prst="rect">
+            <a:avLst/>
+          </a:prstGeom>
+          <a:noFill/>
+        </p:spPr>
+      </p:pic>
+    </p:spTree>
+    <p:extLst>
+      <p:ext uri="{BB962C8B-B14F-4D97-AF65-F5344CB8AC3E}">
+        <p14:creationId xmlns:p14="http://schemas.microsoft.com/office/powerpoint/2010/main" val="4173122127"/>
+      </p:ext>
+    </p:extLst>
+  </p:cSld>
+  <p:clrMapOvr>
+    <a:masterClrMapping/>
+  </p:clrMapOvr>
+  <p:timing>
+    <p:tnLst>
+      <p:par>
+        <p:cTn id="1" dur="indefinite" restart="never" nodeType="tmRoot">
+          <p:childTnLst>
+            <p:seq concurrent="1" nextAc="seek">
+              <p:cTn id="2" dur="indefinite" nodeType="mainSeq">
+                <p:childTnLst>
+                  <p:par>
+                    <p:cTn id="3" fill="hold">
+                      <p:stCondLst>
+                        <p:cond delay="indefinite"/>
+                      </p:stCondLst>
+                      <p:childTnLst>
+                        <p:par>
+                          <p:cTn id="4" fill="hold">
+                            <p:stCondLst>
+                              <p:cond delay="0"/>
+                            </p:stCondLst>
+                            <p:childTnLst>
+                              <p:par>
+                                <p:cTn id="5" presetID="1" presetClass="entr" presetSubtype="0" fill="hold" nodeType="clickEffect">
+                                  <p:stCondLst>
+                                    <p:cond delay="0"/>
+                                  </p:stCondLst>
+                                  <p:childTnLst>
+                                    <p:set>
+                                      <p:cBhvr>
+                                        <p:cTn id="6" dur="1" fill="hold">
+                                          <p:stCondLst>
+                                            <p:cond delay="0"/>
+                                          </p:stCondLst>
+                                        </p:cTn>
+                                        <p:tgtEl>
+                                          <p:spTgt spid="8"/>
+                                        </p:tgtEl>
+                                        <p:attrNameLst>
+                                          <p:attrName>style.visibility</p:attrName>
+                                        </p:attrNameLst>
+                                      </p:cBhvr>
+                                      <p:to>
+                                        <p:strVal val="visible"/>
+                                      </p:to>
+                                    </p:set>
+                                  </p:childTnLst>
+                                </p:cTn>
+                              </p:par>
+                            </p:childTnLst>
+                          </p:cTn>
+                        </p:par>
+                      </p:childTnLst>
+                    </p:cTn>
+                  </p:par>
+                  <p:par>
+                    <p:cTn id="7" fill="hold">
+                      <p:stCondLst>
+                        <p:cond delay="indefinite"/>
+                      </p:stCondLst>
+                      <p:childTnLst>
+                        <p:par>
+                          <p:cTn id="8" fill="hold">
+                            <p:stCondLst>
+                              <p:cond delay="0"/>
+                            </p:stCondLst>
+                            <p:childTnLst>
+                              <p:par>
+                                <p:cTn id="9" presetID="1" presetClass="entr" presetSubtype="0" fill="hold" nodeType="clickEffect">
+                                  <p:stCondLst>
+                                    <p:cond delay="0"/>
+                                  </p:stCondLst>
+                                  <p:childTnLst>
+                                    <p:set>
+                                      <p:cBhvr>
+                                        <p:cTn id="10" dur="1" fill="hold">
+                                          <p:stCondLst>
+                                            <p:cond delay="0"/>
+                                          </p:stCondLst>
+                                        </p:cTn>
+                                        <p:tgtEl>
+                                          <p:spTgt spid="10"/>
+                                        </p:tgtEl>
+                                        <p:attrNameLst>
+                                          <p:attrName>style.visibility</p:attrName>
+                                        </p:attrNameLst>
+                                      </p:cBhvr>
+                                      <p:to>
+                                        <p:strVal val="visible"/>
+                                      </p:to>
+                                    </p:set>
+                                  </p:childTnLst>
+                                </p:cTn>
+                              </p:par>
+                            </p:childTnLst>
+                          </p:cTn>
+                        </p:par>
+                      </p:childTnLst>
+                    </p:cTn>
+                  </p:par>
+                  <p:par>
+                    <p:cTn id="11" fill="hold">
+                      <p:stCondLst>
+                        <p:cond delay="indefinite"/>
+                      </p:stCondLst>
+                      <p:childTnLst>
+                        <p:par>
+                          <p:cTn id="12" fill="hold">
+                            <p:stCondLst>
+                              <p:cond delay="0"/>
+                            </p:stCondLst>
+                            <p:childTnLst>
+                              <p:par>
+                                <p:cTn id="13" presetID="1" presetClass="entr" presetSubtype="0" fill="hold" nodeType="clickEffect">
+                                  <p:stCondLst>
+                                    <p:cond delay="0"/>
+                                  </p:stCondLst>
+                                  <p:childTnLst>
+                                    <p:set>
+                                      <p:cBhvr>
+                                        <p:cTn id="14" dur="1" fill="hold">
+                                          <p:stCondLst>
+                                            <p:cond delay="0"/>
+                                          </p:stCondLst>
+                                        </p:cTn>
+                                        <p:tgtEl>
+                                          <p:spTgt spid="11"/>
+                                        </p:tgtEl>
+                                        <p:attrNameLst>
+                                          <p:attrName>style.visibility</p:attrName>
+                                        </p:attrNameLst>
+                                      </p:cBhvr>
+                                      <p:to>
+                                        <p:strVal val="visible"/>
+                                      </p:to>
+                                    </p:set>
+                                  </p:childTnLst>
+                                </p:cTn>
+                              </p:par>
+                            </p:childTnLst>
+                          </p:cTn>
+                        </p:par>
+                      </p:childTnLst>
+                    </p:cTn>
+                  </p:par>
+                  <p:par>
+                    <p:cTn id="15" fill="hold">
+                      <p:stCondLst>
+                        <p:cond delay="indefinite"/>
+                      </p:stCondLst>
+                      <p:childTnLst>
+                        <p:par>
+                          <p:cTn id="16" fill="hold">
+                            <p:stCondLst>
+                              <p:cond delay="0"/>
+                            </p:stCondLst>
+                            <p:childTnLst>
+                              <p:par>
+                                <p:cTn id="17" presetID="1" presetClass="entr" presetSubtype="0" fill="hold" nodeType="clickEffect">
+                                  <p:stCondLst>
+                                    <p:cond delay="0"/>
+                                  </p:stCondLst>
+                                  <p:childTnLst>
+                                    <p:set>
+                                      <p:cBhvr>
+                                        <p:cTn id="18" dur="1" fill="hold">
+                                          <p:stCondLst>
+                                            <p:cond delay="0"/>
+                                          </p:stCondLst>
+                                        </p:cTn>
+                                        <p:tgtEl>
+                                          <p:spTgt spid="13"/>
+                                        </p:tgtEl>
+                                        <p:attrNameLst>
+                                          <p:attrName>style.visibility</p:attrName>
+                                        </p:attrNameLst>
+                                      </p:cBhvr>
+                                      <p:to>
+                                        <p:strVal val="visible"/>
+                                      </p:to>
+                                    </p:set>
+                                  </p:childTnLst>
+                                </p:cTn>
+                              </p:par>
+                            </p:childTnLst>
+                          </p:cTn>
+                        </p:par>
+                      </p:childTnLst>
+                    </p:cTn>
+                  </p:par>
+                  <p:par>
+                    <p:cTn id="19" fill="hold">
+                      <p:stCondLst>
+                        <p:cond delay="indefinite"/>
+                      </p:stCondLst>
+                      <p:childTnLst>
+                        <p:par>
+                          <p:cTn id="20" fill="hold">
+                            <p:stCondLst>
+                              <p:cond delay="0"/>
+                            </p:stCondLst>
+                            <p:childTnLst>
+                              <p:par>
+                                <p:cTn id="21" presetID="1" presetClass="entr" presetSubtype="0" fill="hold" nodeType="clickEffect">
+                                  <p:stCondLst>
+                                    <p:cond delay="0"/>
+                                  </p:stCondLst>
+                                  <p:childTnLst>
+                                    <p:set>
+                                      <p:cBhvr>
+                                        <p:cTn id="22" dur="1" fill="hold">
+                                          <p:stCondLst>
+                                            <p:cond delay="0"/>
+                                          </p:stCondLst>
+                                        </p:cTn>
+                                        <p:tgtEl>
+                                          <p:spTgt spid="14"/>
+                                        </p:tgtEl>
+                                        <p:attrNameLst>
+                                          <p:attrName>style.visibility</p:attrName>
+                                        </p:attrNameLst>
+                                      </p:cBhvr>
+                                      <p:to>
+                                        <p:strVal val="visible"/>
+                                      </p:to>
+                                    </p:set>
+                                  </p:childTnLst>
+                                </p:cTn>
+                              </p:par>
+                            </p:childTnLst>
+                          </p:cTn>
+                        </p:par>
+                      </p:childTnLst>
+                    </p:cTn>
+                  </p:par>
+                </p:childTnLst>
+              </p:cTn>
+              <p:prevCondLst>
+                <p:cond evt="onPrev" delay="0">
+                  <p:tgtEl>
+                    <p:sldTgt/>
+                  </p:tgtEl>
+                </p:cond>
+              </p:prevCondLst>
+              <p:nextCondLst>
+                <p:cond evt="onNext" delay="0">
+                  <p:tgtEl>
+                    <p:sldTgt/>
+                  </p:tgtEl>
+                </p:cond>
+              </p:nextCondLst>
+            </p:seq>
+          </p:childTnLst>
+        </p:cTn>
+      </p:par>
+    </p:tnLst>
+  </p:timing>
 </p:sld>
 </file>
 
@@ -6771,8 +9303,8 @@
           <a:noFill/>
         </p:spPr>
       </p:pic>
-      <mc:AlternateContent xmlns:mc="http://schemas.openxmlformats.org/markup-compatibility/2006">
-        <mc:Choice xmlns:a14="http://schemas.microsoft.com/office/drawing/2010/main" Requires="a14">
+      <mc:AlternateContent xmlns:mc="http://schemas.openxmlformats.org/markup-compatibility/2006" xmlns:a14="http://schemas.microsoft.com/office/drawing/2010/main">
+        <mc:Choice Requires="a14">
           <p:graphicFrame>
             <p:nvGraphicFramePr>
               <p:cNvPr id="7" name="Table 7">
@@ -6854,6 +9386,7 @@
                         <a:bodyPr/>
                         <a:lstStyle/>
                         <a:p>
+                          <a:pPr/>
                           <a14:m>
                             <m:oMathPara xmlns:m="http://schemas.openxmlformats.org/officeDocument/2006/math">
                               <m:oMathParaPr>
@@ -6898,6 +9431,7 @@
                         <a:bodyPr/>
                         <a:lstStyle/>
                         <a:p>
+                          <a:pPr/>
                           <a14:m>
                             <m:oMathPara xmlns:m="http://schemas.openxmlformats.org/officeDocument/2006/math">
                               <m:oMathParaPr>
@@ -6950,6 +9484,7 @@
                         <a:bodyPr/>
                         <a:lstStyle/>
                         <a:p>
+                          <a:pPr/>
                           <a14:m>
                             <m:oMathPara xmlns:m="http://schemas.openxmlformats.org/officeDocument/2006/math">
                               <m:oMathParaPr>
@@ -7002,6 +9537,7 @@
                         <a:bodyPr/>
                         <a:lstStyle/>
                         <a:p>
+                          <a:pPr/>
                           <a14:m>
                             <m:oMathPara xmlns:m="http://schemas.openxmlformats.org/officeDocument/2006/math">
                               <m:oMathParaPr>
@@ -7046,6 +9582,7 @@
                         <a:bodyPr/>
                         <a:lstStyle/>
                         <a:p>
+                          <a:pPr/>
                           <a14:m>
                             <m:oMathPara xmlns:m="http://schemas.openxmlformats.org/officeDocument/2006/math">
                               <m:oMathParaPr>
@@ -7090,6 +9627,7 @@
                         <a:bodyPr/>
                         <a:lstStyle/>
                         <a:p>
+                          <a:pPr/>
                           <a14:m>
                             <m:oMathPara xmlns:m="http://schemas.openxmlformats.org/officeDocument/2006/math">
                               <m:oMathParaPr>
@@ -7158,6 +9696,7 @@
                         <a:bodyPr/>
                         <a:lstStyle/>
                         <a:p>
+                          <a:pPr/>
                           <a14:m>
                             <m:oMathPara xmlns:m="http://schemas.openxmlformats.org/officeDocument/2006/math">
                               <m:oMathParaPr>
@@ -7254,6 +9793,7 @@
                         <a:bodyPr/>
                         <a:lstStyle/>
                         <a:p>
+                          <a:pPr/>
                           <a14:m>
                             <m:oMathPara xmlns:m="http://schemas.openxmlformats.org/officeDocument/2006/math">
                               <m:oMathParaPr>
@@ -7667,7 +10207,6 @@
                         <a:bodyPr/>
                         <a:lstStyle/>
                         <a:p>
-                          <a:pPr/>
                           <a14:m>
                             <m:oMath xmlns:m="http://schemas.openxmlformats.org/officeDocument/2006/math">
                               <m:r>
@@ -7771,7 +10310,7 @@
             </a:graphic>
           </p:graphicFrame>
         </mc:Choice>
-        <mc:Fallback>
+        <mc:Fallback xmlns="">
           <p:graphicFrame>
             <p:nvGraphicFramePr>
               <p:cNvPr id="7" name="Table 7">
@@ -8396,8 +10935,8 @@
           </a:p>
         </p:txBody>
       </p:sp>
-      <mc:AlternateContent xmlns:mc="http://schemas.openxmlformats.org/markup-compatibility/2006">
-        <mc:Choice xmlns:a14="http://schemas.microsoft.com/office/drawing/2010/main" Requires="a14">
+      <mc:AlternateContent xmlns:mc="http://schemas.openxmlformats.org/markup-compatibility/2006" xmlns:a14="http://schemas.microsoft.com/office/drawing/2010/main">
+        <mc:Choice Requires="a14">
           <p:sp>
             <p:nvSpPr>
               <p:cNvPr id="9" name="TextBox 8">
@@ -8937,7 +11476,7 @@
             </p:txBody>
           </p:sp>
         </mc:Choice>
-        <mc:Fallback>
+        <mc:Fallback xmlns="">
           <p:sp>
             <p:nvSpPr>
               <p:cNvPr id="9" name="TextBox 8">
@@ -9223,8 +11762,8 @@
           <a:noFill/>
         </p:spPr>
       </p:pic>
-      <mc:AlternateContent xmlns:mc="http://schemas.openxmlformats.org/markup-compatibility/2006">
-        <mc:Choice xmlns:a14="http://schemas.microsoft.com/office/drawing/2010/main" Requires="a14">
+      <mc:AlternateContent xmlns:mc="http://schemas.openxmlformats.org/markup-compatibility/2006" xmlns:a14="http://schemas.microsoft.com/office/drawing/2010/main">
+        <mc:Choice Requires="a14">
           <p:graphicFrame>
             <p:nvGraphicFramePr>
               <p:cNvPr id="7" name="Table 7">
@@ -9306,6 +11845,7 @@
                         <a:bodyPr/>
                         <a:lstStyle/>
                         <a:p>
+                          <a:pPr/>
                           <a14:m>
                             <m:oMathPara xmlns:m="http://schemas.openxmlformats.org/officeDocument/2006/math">
                               <m:oMathParaPr>
@@ -9350,6 +11890,7 @@
                         <a:bodyPr/>
                         <a:lstStyle/>
                         <a:p>
+                          <a:pPr/>
                           <a14:m>
                             <m:oMathPara xmlns:m="http://schemas.openxmlformats.org/officeDocument/2006/math">
                               <m:oMathParaPr>
@@ -9402,6 +11943,7 @@
                         <a:bodyPr/>
                         <a:lstStyle/>
                         <a:p>
+                          <a:pPr/>
                           <a14:m>
                             <m:oMathPara xmlns:m="http://schemas.openxmlformats.org/officeDocument/2006/math">
                               <m:oMathParaPr>
@@ -9454,6 +11996,7 @@
                         <a:bodyPr/>
                         <a:lstStyle/>
                         <a:p>
+                          <a:pPr/>
                           <a14:m>
                             <m:oMathPara xmlns:m="http://schemas.openxmlformats.org/officeDocument/2006/math">
                               <m:oMathParaPr>
@@ -9498,6 +12041,7 @@
                         <a:bodyPr/>
                         <a:lstStyle/>
                         <a:p>
+                          <a:pPr/>
                           <a14:m>
                             <m:oMathPara xmlns:m="http://schemas.openxmlformats.org/officeDocument/2006/math">
                               <m:oMathParaPr>
@@ -9542,6 +12086,7 @@
                         <a:bodyPr/>
                         <a:lstStyle/>
                         <a:p>
+                          <a:pPr/>
                           <a14:m>
                             <m:oMathPara xmlns:m="http://schemas.openxmlformats.org/officeDocument/2006/math">
                               <m:oMathParaPr>
@@ -9610,6 +12155,7 @@
                         <a:bodyPr/>
                         <a:lstStyle/>
                         <a:p>
+                          <a:pPr/>
                           <a14:m>
                             <m:oMathPara xmlns:m="http://schemas.openxmlformats.org/officeDocument/2006/math">
                               <m:oMathParaPr>
@@ -9706,6 +12252,7 @@
                         <a:bodyPr/>
                         <a:lstStyle/>
                         <a:p>
+                          <a:pPr/>
                           <a14:m>
                             <m:oMathPara xmlns:m="http://schemas.openxmlformats.org/officeDocument/2006/math">
                               <m:oMathParaPr>
@@ -10123,7 +12670,6 @@
                         <a:bodyPr/>
                         <a:lstStyle/>
                         <a:p>
-                          <a:pPr/>
                           <a14:m>
                             <m:oMath xmlns:m="http://schemas.openxmlformats.org/officeDocument/2006/math">
                               <m:r>
@@ -10227,7 +12773,7 @@
             </a:graphic>
           </p:graphicFrame>
         </mc:Choice>
-        <mc:Fallback>
+        <mc:Fallback xmlns="">
           <p:graphicFrame>
             <p:nvGraphicFramePr>
               <p:cNvPr id="7" name="Table 7">
@@ -10856,8 +13402,8 @@
           </a:p>
         </p:txBody>
       </p:sp>
-      <mc:AlternateContent xmlns:mc="http://schemas.openxmlformats.org/markup-compatibility/2006">
-        <mc:Choice xmlns:a14="http://schemas.microsoft.com/office/drawing/2010/main" Requires="a14">
+      <mc:AlternateContent xmlns:mc="http://schemas.openxmlformats.org/markup-compatibility/2006" xmlns:a14="http://schemas.microsoft.com/office/drawing/2010/main">
+        <mc:Choice Requires="a14">
           <p:sp>
             <p:nvSpPr>
               <p:cNvPr id="9" name="TextBox 8">
@@ -11400,7 +13946,7 @@
             </p:txBody>
           </p:sp>
         </mc:Choice>
-        <mc:Fallback>
+        <mc:Fallback xmlns="">
           <p:sp>
             <p:nvSpPr>
               <p:cNvPr id="9" name="TextBox 8">
@@ -11686,8 +14232,8 @@
           <a:noFill/>
         </p:spPr>
       </p:pic>
-      <mc:AlternateContent xmlns:mc="http://schemas.openxmlformats.org/markup-compatibility/2006">
-        <mc:Choice xmlns:a14="http://schemas.microsoft.com/office/drawing/2010/main" Requires="a14">
+      <mc:AlternateContent xmlns:mc="http://schemas.openxmlformats.org/markup-compatibility/2006" xmlns:a14="http://schemas.microsoft.com/office/drawing/2010/main">
+        <mc:Choice Requires="a14">
           <p:graphicFrame>
             <p:nvGraphicFramePr>
               <p:cNvPr id="7" name="Table 7">
@@ -11769,6 +14315,7 @@
                         <a:bodyPr/>
                         <a:lstStyle/>
                         <a:p>
+                          <a:pPr/>
                           <a14:m>
                             <m:oMathPara xmlns:m="http://schemas.openxmlformats.org/officeDocument/2006/math">
                               <m:oMathParaPr>
@@ -11813,6 +14360,7 @@
                         <a:bodyPr/>
                         <a:lstStyle/>
                         <a:p>
+                          <a:pPr/>
                           <a14:m>
                             <m:oMathPara xmlns:m="http://schemas.openxmlformats.org/officeDocument/2006/math">
                               <m:oMathParaPr>
@@ -11865,6 +14413,7 @@
                         <a:bodyPr/>
                         <a:lstStyle/>
                         <a:p>
+                          <a:pPr/>
                           <a14:m>
                             <m:oMathPara xmlns:m="http://schemas.openxmlformats.org/officeDocument/2006/math">
                               <m:oMathParaPr>
@@ -11917,6 +14466,7 @@
                         <a:bodyPr/>
                         <a:lstStyle/>
                         <a:p>
+                          <a:pPr/>
                           <a14:m>
                             <m:oMathPara xmlns:m="http://schemas.openxmlformats.org/officeDocument/2006/math">
                               <m:oMathParaPr>
@@ -11961,6 +14511,7 @@
                         <a:bodyPr/>
                         <a:lstStyle/>
                         <a:p>
+                          <a:pPr/>
                           <a14:m>
                             <m:oMathPara xmlns:m="http://schemas.openxmlformats.org/officeDocument/2006/math">
                               <m:oMathParaPr>
@@ -12005,6 +14556,7 @@
                         <a:bodyPr/>
                         <a:lstStyle/>
                         <a:p>
+                          <a:pPr/>
                           <a14:m>
                             <m:oMathPara xmlns:m="http://schemas.openxmlformats.org/officeDocument/2006/math">
                               <m:oMathParaPr>
@@ -12073,6 +14625,7 @@
                         <a:bodyPr/>
                         <a:lstStyle/>
                         <a:p>
+                          <a:pPr/>
                           <a14:m>
                             <m:oMathPara xmlns:m="http://schemas.openxmlformats.org/officeDocument/2006/math">
                               <m:oMathParaPr>
@@ -12169,6 +14722,7 @@
                         <a:bodyPr/>
                         <a:lstStyle/>
                         <a:p>
+                          <a:pPr/>
                           <a14:m>
                             <m:oMathPara xmlns:m="http://schemas.openxmlformats.org/officeDocument/2006/math">
                               <m:oMathParaPr>
@@ -12591,7 +15145,6 @@
                         <a:bodyPr/>
                         <a:lstStyle/>
                         <a:p>
-                          <a:pPr/>
                           <a14:m>
                             <m:oMath xmlns:m="http://schemas.openxmlformats.org/officeDocument/2006/math">
                               <m:r>
@@ -12695,7 +15248,7 @@
             </a:graphic>
           </p:graphicFrame>
         </mc:Choice>
-        <mc:Fallback>
+        <mc:Fallback xmlns="">
           <p:graphicFrame>
             <p:nvGraphicFramePr>
               <p:cNvPr id="7" name="Table 7">
@@ -13329,8 +15882,8 @@
           </a:p>
         </p:txBody>
       </p:sp>
-      <mc:AlternateContent xmlns:mc="http://schemas.openxmlformats.org/markup-compatibility/2006">
-        <mc:Choice xmlns:a14="http://schemas.microsoft.com/office/drawing/2010/main" Requires="a14">
+      <mc:AlternateContent xmlns:mc="http://schemas.openxmlformats.org/markup-compatibility/2006" xmlns:a14="http://schemas.microsoft.com/office/drawing/2010/main">
+        <mc:Choice Requires="a14">
           <p:sp>
             <p:nvSpPr>
               <p:cNvPr id="9" name="TextBox 8">
@@ -13863,7 +16416,7 @@
             </p:txBody>
           </p:sp>
         </mc:Choice>
-        <mc:Fallback>
+        <mc:Fallback xmlns="">
           <p:sp>
             <p:nvSpPr>
               <p:cNvPr id="9" name="TextBox 8">
@@ -14148,8 +16701,8 @@
           <a:noFill/>
         </p:spPr>
       </p:pic>
-      <mc:AlternateContent xmlns:mc="http://schemas.openxmlformats.org/markup-compatibility/2006">
-        <mc:Choice xmlns:a14="http://schemas.microsoft.com/office/drawing/2010/main" Requires="a14">
+      <mc:AlternateContent xmlns:mc="http://schemas.openxmlformats.org/markup-compatibility/2006" xmlns:a14="http://schemas.microsoft.com/office/drawing/2010/main">
+        <mc:Choice Requires="a14">
           <p:graphicFrame>
             <p:nvGraphicFramePr>
               <p:cNvPr id="7" name="Table 7">
@@ -14231,6 +16784,7 @@
                         <a:bodyPr/>
                         <a:lstStyle/>
                         <a:p>
+                          <a:pPr/>
                           <a14:m>
                             <m:oMathPara xmlns:m="http://schemas.openxmlformats.org/officeDocument/2006/math">
                               <m:oMathParaPr>
@@ -14275,6 +16829,7 @@
                         <a:bodyPr/>
                         <a:lstStyle/>
                         <a:p>
+                          <a:pPr/>
                           <a14:m>
                             <m:oMathPara xmlns:m="http://schemas.openxmlformats.org/officeDocument/2006/math">
                               <m:oMathParaPr>
@@ -14327,6 +16882,7 @@
                         <a:bodyPr/>
                         <a:lstStyle/>
                         <a:p>
+                          <a:pPr/>
                           <a14:m>
                             <m:oMathPara xmlns:m="http://schemas.openxmlformats.org/officeDocument/2006/math">
                               <m:oMathParaPr>
@@ -14379,6 +16935,7 @@
                         <a:bodyPr/>
                         <a:lstStyle/>
                         <a:p>
+                          <a:pPr/>
                           <a14:m>
                             <m:oMathPara xmlns:m="http://schemas.openxmlformats.org/officeDocument/2006/math">
                               <m:oMathParaPr>
@@ -14423,6 +16980,7 @@
                         <a:bodyPr/>
                         <a:lstStyle/>
                         <a:p>
+                          <a:pPr/>
                           <a14:m>
                             <m:oMathPara xmlns:m="http://schemas.openxmlformats.org/officeDocument/2006/math">
                               <m:oMathParaPr>
@@ -14467,6 +17025,7 @@
                         <a:bodyPr/>
                         <a:lstStyle/>
                         <a:p>
+                          <a:pPr/>
                           <a14:m>
                             <m:oMathPara xmlns:m="http://schemas.openxmlformats.org/officeDocument/2006/math">
                               <m:oMathParaPr>
@@ -14535,6 +17094,7 @@
                         <a:bodyPr/>
                         <a:lstStyle/>
                         <a:p>
+                          <a:pPr/>
                           <a14:m>
                             <m:oMathPara xmlns:m="http://schemas.openxmlformats.org/officeDocument/2006/math">
                               <m:oMathParaPr>
@@ -14631,6 +17191,7 @@
                         <a:bodyPr/>
                         <a:lstStyle/>
                         <a:p>
+                          <a:pPr/>
                           <a14:m>
                             <m:oMathPara xmlns:m="http://schemas.openxmlformats.org/officeDocument/2006/math">
                               <m:oMathParaPr>
@@ -15172,7 +17733,7 @@
             </a:graphic>
           </p:graphicFrame>
         </mc:Choice>
-        <mc:Fallback>
+        <mc:Fallback xmlns="">
           <p:graphicFrame>
             <p:nvGraphicFramePr>
               <p:cNvPr id="7" name="Table 7">
@@ -15806,8 +18367,8 @@
           </a:p>
         </p:txBody>
       </p:sp>
-      <mc:AlternateContent xmlns:mc="http://schemas.openxmlformats.org/markup-compatibility/2006">
-        <mc:Choice xmlns:a14="http://schemas.microsoft.com/office/drawing/2010/main" Requires="a14">
+      <mc:AlternateContent xmlns:mc="http://schemas.openxmlformats.org/markup-compatibility/2006" xmlns:a14="http://schemas.microsoft.com/office/drawing/2010/main">
+        <mc:Choice Requires="a14">
           <p:sp>
             <p:nvSpPr>
               <p:cNvPr id="9" name="TextBox 8">
@@ -16099,7 +18660,7 @@
             </p:txBody>
           </p:sp>
         </mc:Choice>
-        <mc:Fallback>
+        <mc:Fallback xmlns="">
           <p:sp>
             <p:nvSpPr>
               <p:cNvPr id="9" name="TextBox 8">
@@ -16384,8 +18945,8 @@
           <a:noFill/>
         </p:spPr>
       </p:pic>
-      <mc:AlternateContent xmlns:mc="http://schemas.openxmlformats.org/markup-compatibility/2006">
-        <mc:Choice xmlns:a14="http://schemas.microsoft.com/office/drawing/2010/main" Requires="a14">
+      <mc:AlternateContent xmlns:mc="http://schemas.openxmlformats.org/markup-compatibility/2006" xmlns:a14="http://schemas.microsoft.com/office/drawing/2010/main">
+        <mc:Choice Requires="a14">
           <p:graphicFrame>
             <p:nvGraphicFramePr>
               <p:cNvPr id="7" name="Table 7">
@@ -16467,6 +19028,7 @@
                         <a:bodyPr/>
                         <a:lstStyle/>
                         <a:p>
+                          <a:pPr/>
                           <a14:m>
                             <m:oMathPara xmlns:m="http://schemas.openxmlformats.org/officeDocument/2006/math">
                               <m:oMathParaPr>
@@ -16476,18 +19038,24 @@
                                 <m:sSub>
                                   <m:sSubPr>
                                     <m:ctrlPr>
-                                      <a:rPr lang="en-GB" b="1" smtClean="0"/>
+                                      <a:rPr lang="en-GB" b="1" i="1" smtClean="0">
+                                        <a:latin typeface="Cambria Math" panose="02040503050406030204" pitchFamily="18" charset="0"/>
+                                      </a:rPr>
                                     </m:ctrlPr>
                                   </m:sSubPr>
                                   <m:e>
                                     <m:r>
-                                      <a:rPr lang="en-GB" b="1" smtClean="0"/>
+                                      <a:rPr lang="en-GB" b="1" smtClean="0">
+                                        <a:latin typeface="Cambria Math" panose="02040503050406030204" pitchFamily="18" charset="0"/>
+                                      </a:rPr>
                                       <m:t>𝑱</m:t>
                                     </m:r>
                                   </m:e>
                                   <m:sub>
                                     <m:r>
-                                      <a:rPr lang="en-GB" b="1" smtClean="0"/>
+                                      <a:rPr lang="en-GB" b="1" smtClean="0">
+                                        <a:latin typeface="Cambria Math" panose="02040503050406030204" pitchFamily="18" charset="0"/>
+                                      </a:rPr>
                                       <m:t>𝒊</m:t>
                                     </m:r>
                                   </m:sub>
@@ -16505,6 +19073,7 @@
                         <a:bodyPr/>
                         <a:lstStyle/>
                         <a:p>
+                          <a:pPr/>
                           <a14:m>
                             <m:oMathPara xmlns:m="http://schemas.openxmlformats.org/officeDocument/2006/math">
                               <m:oMathParaPr>
@@ -16514,24 +19083,32 @@
                                 <m:sSubSup>
                                   <m:sSubSupPr>
                                     <m:ctrlPr>
-                                      <a:rPr lang="en-GB" b="1" smtClean="0"/>
+                                      <a:rPr lang="en-GB" b="1" i="1" smtClean="0">
+                                        <a:latin typeface="Cambria Math" panose="02040503050406030204" pitchFamily="18" charset="0"/>
+                                      </a:rPr>
                                     </m:ctrlPr>
                                   </m:sSubSupPr>
                                   <m:e>
                                     <m:r>
-                                      <a:rPr lang="en-GB" b="1" smtClean="0"/>
+                                      <a:rPr lang="en-GB" b="1" smtClean="0">
+                                        <a:latin typeface="Cambria Math" panose="02040503050406030204" pitchFamily="18" charset="0"/>
+                                      </a:rPr>
                                       <m:t>𝑪</m:t>
                                     </m:r>
                                   </m:e>
                                   <m:sub>
                                     <m:r>
-                                      <a:rPr lang="en-GB" b="1" smtClean="0"/>
+                                      <a:rPr lang="en-GB" b="1" smtClean="0">
+                                        <a:latin typeface="Cambria Math" panose="02040503050406030204" pitchFamily="18" charset="0"/>
+                                      </a:rPr>
                                       <m:t>𝒊</m:t>
                                     </m:r>
                                   </m:sub>
                                   <m:sup>
                                     <m:r>
-                                      <a:rPr lang="en-GB" b="1" smtClean="0"/>
+                                      <a:rPr lang="en-GB" b="1" smtClean="0">
+                                        <a:latin typeface="Cambria Math" panose="02040503050406030204" pitchFamily="18" charset="0"/>
+                                      </a:rPr>
                                       <m:t>𝒎𝒊𝒏</m:t>
                                     </m:r>
                                   </m:sup>
@@ -16549,6 +19126,7 @@
                         <a:bodyPr/>
                         <a:lstStyle/>
                         <a:p>
+                          <a:pPr/>
                           <a14:m>
                             <m:oMathPara xmlns:m="http://schemas.openxmlformats.org/officeDocument/2006/math">
                               <m:oMathParaPr>
@@ -16558,24 +19136,32 @@
                                 <m:sSubSup>
                                   <m:sSubSupPr>
                                     <m:ctrlPr>
-                                      <a:rPr lang="en-GB" b="1" smtClean="0"/>
+                                      <a:rPr lang="en-GB" b="1" i="1" smtClean="0">
+                                        <a:latin typeface="Cambria Math" panose="02040503050406030204" pitchFamily="18" charset="0"/>
+                                      </a:rPr>
                                     </m:ctrlPr>
                                   </m:sSubSupPr>
                                   <m:e>
                                     <m:r>
-                                      <a:rPr lang="en-GB" b="1" smtClean="0"/>
+                                      <a:rPr lang="en-GB" b="1" smtClean="0">
+                                        <a:latin typeface="Cambria Math" panose="02040503050406030204" pitchFamily="18" charset="0"/>
+                                      </a:rPr>
                                       <m:t>𝑪</m:t>
                                     </m:r>
                                   </m:e>
                                   <m:sub>
                                     <m:r>
-                                      <a:rPr lang="en-GB" b="1" smtClean="0"/>
+                                      <a:rPr lang="en-GB" b="1" smtClean="0">
+                                        <a:latin typeface="Cambria Math" panose="02040503050406030204" pitchFamily="18" charset="0"/>
+                                      </a:rPr>
                                       <m:t>𝒊</m:t>
                                     </m:r>
                                   </m:sub>
                                   <m:sup>
                                     <m:r>
-                                      <a:rPr lang="en-GB" b="1" smtClean="0"/>
+                                      <a:rPr lang="en-GB" b="1" smtClean="0">
+                                        <a:latin typeface="Cambria Math" panose="02040503050406030204" pitchFamily="18" charset="0"/>
+                                      </a:rPr>
                                       <m:t>𝒎𝒂𝒙</m:t>
                                     </m:r>
                                   </m:sup>
@@ -16593,6 +19179,7 @@
                         <a:bodyPr/>
                         <a:lstStyle/>
                         <a:p>
+                          <a:pPr/>
                           <a14:m>
                             <m:oMathPara xmlns:m="http://schemas.openxmlformats.org/officeDocument/2006/math">
                               <m:oMathParaPr>
@@ -16602,18 +19189,24 @@
                                 <m:sSub>
                                   <m:sSubPr>
                                     <m:ctrlPr>
-                                      <a:rPr lang="en-GB" b="1" smtClean="0"/>
+                                      <a:rPr lang="en-GB" b="1" i="1" smtClean="0">
+                                        <a:latin typeface="Cambria Math" panose="02040503050406030204" pitchFamily="18" charset="0"/>
+                                      </a:rPr>
                                     </m:ctrlPr>
                                   </m:sSubPr>
                                   <m:e>
                                     <m:r>
-                                      <a:rPr lang="en-GB" b="1" smtClean="0"/>
+                                      <a:rPr lang="en-GB" b="1" smtClean="0">
+                                        <a:latin typeface="Cambria Math" panose="02040503050406030204" pitchFamily="18" charset="0"/>
+                                      </a:rPr>
                                       <m:t>𝒎</m:t>
                                     </m:r>
                                   </m:e>
                                   <m:sub>
                                     <m:r>
-                                      <a:rPr lang="en-GB" b="1" smtClean="0"/>
+                                      <a:rPr lang="en-GB" b="1" smtClean="0">
+                                        <a:latin typeface="Cambria Math" panose="02040503050406030204" pitchFamily="18" charset="0"/>
+                                      </a:rPr>
                                       <m:t>𝒊</m:t>
                                     </m:r>
                                   </m:sub>
@@ -16631,6 +19224,7 @@
                         <a:bodyPr/>
                         <a:lstStyle/>
                         <a:p>
+                          <a:pPr/>
                           <a14:m>
                             <m:oMathPara xmlns:m="http://schemas.openxmlformats.org/officeDocument/2006/math">
                               <m:oMathParaPr>
@@ -16640,18 +19234,24 @@
                                 <m:sSub>
                                   <m:sSubPr>
                                     <m:ctrlPr>
-                                      <a:rPr lang="en-GB" b="1" smtClean="0"/>
+                                      <a:rPr lang="en-GB" b="1" i="1" smtClean="0">
+                                        <a:latin typeface="Cambria Math" panose="02040503050406030204" pitchFamily="18" charset="0"/>
+                                      </a:rPr>
                                     </m:ctrlPr>
                                   </m:sSubPr>
                                   <m:e>
                                     <m:r>
-                                      <a:rPr lang="en-GB" b="1" smtClean="0"/>
+                                      <a:rPr lang="en-GB" b="1" smtClean="0">
+                                        <a:latin typeface="Cambria Math" panose="02040503050406030204" pitchFamily="18" charset="0"/>
+                                      </a:rPr>
                                       <m:t>𝒑</m:t>
                                     </m:r>
                                   </m:e>
                                   <m:sub>
                                     <m:r>
-                                      <a:rPr lang="en-GB" b="1" smtClean="0"/>
+                                      <a:rPr lang="en-GB" b="1" smtClean="0">
+                                        <a:latin typeface="Cambria Math" panose="02040503050406030204" pitchFamily="18" charset="0"/>
+                                      </a:rPr>
                                       <m:t>𝒊</m:t>
                                     </m:r>
                                   </m:sub>
@@ -16669,6 +19269,7 @@
                         <a:bodyPr/>
                         <a:lstStyle/>
                         <a:p>
+                          <a:pPr/>
                           <a14:m>
                             <m:oMathPara xmlns:m="http://schemas.openxmlformats.org/officeDocument/2006/math">
                               <m:oMathParaPr>
@@ -16676,31 +19277,41 @@
                               </m:oMathParaPr>
                               <m:oMath xmlns:m="http://schemas.openxmlformats.org/officeDocument/2006/math">
                                 <m:r>
-                                  <a:rPr lang="en-GB" b="1" smtClean="0"/>
+                                  <a:rPr lang="en-GB" b="1" smtClean="0">
+                                    <a:latin typeface="Cambria Math" panose="02040503050406030204" pitchFamily="18" charset="0"/>
+                                  </a:rPr>
                                   <m:t>𝒑𝒓𝒆𝒄</m:t>
                                 </m:r>
                                 <m:d>
                                   <m:dPr>
                                     <m:ctrlPr>
-                                      <a:rPr lang="en-GB" b="1" smtClean="0"/>
+                                      <a:rPr lang="en-GB" b="1" i="1" smtClean="0">
+                                        <a:latin typeface="Cambria Math" panose="02040503050406030204" pitchFamily="18" charset="0"/>
+                                      </a:rPr>
                                     </m:ctrlPr>
                                   </m:dPr>
                                   <m:e>
                                     <m:sSub>
                                       <m:sSubPr>
                                         <m:ctrlPr>
-                                          <a:rPr lang="en-GB" b="1" smtClean="0"/>
+                                          <a:rPr lang="en-GB" b="1" i="1" smtClean="0">
+                                            <a:latin typeface="Cambria Math" panose="02040503050406030204" pitchFamily="18" charset="0"/>
+                                          </a:rPr>
                                         </m:ctrlPr>
                                       </m:sSubPr>
                                       <m:e>
                                         <m:r>
-                                          <a:rPr lang="en-GB" b="1" smtClean="0"/>
+                                          <a:rPr lang="en-GB" b="1" smtClean="0">
+                                            <a:latin typeface="Cambria Math" panose="02040503050406030204" pitchFamily="18" charset="0"/>
+                                          </a:rPr>
                                           <m:t>𝑱</m:t>
                                         </m:r>
                                       </m:e>
                                       <m:sub>
                                         <m:r>
-                                          <a:rPr lang="en-GB" b="1" smtClean="0"/>
+                                          <a:rPr lang="en-GB" b="1" smtClean="0">
+                                            <a:latin typeface="Cambria Math" panose="02040503050406030204" pitchFamily="18" charset="0"/>
+                                          </a:rPr>
                                           <m:t>𝒊</m:t>
                                         </m:r>
                                       </m:sub>
@@ -16727,126 +19338,6 @@
                         <a:bodyPr/>
                         <a:lstStyle/>
                         <a:p>
-                          <a14:m>
-                            <m:oMathPara xmlns:m="http://schemas.openxmlformats.org/officeDocument/2006/math">
-                              <m:oMathParaPr>
-                                <m:jc m:val="centerGroup"/>
-                              </m:oMathParaPr>
-                              <m:oMath xmlns:m="http://schemas.openxmlformats.org/officeDocument/2006/math">
-                                <m:sSub>
-                                  <m:sSubPr>
-                                    <m:ctrlPr>
-                                      <a:rPr lang="en-GB" b="0" smtClean="0"/>
-                                    </m:ctrlPr>
-                                  </m:sSubPr>
-                                  <m:e>
-                                    <m:r>
-                                      <a:rPr lang="en-GB" b="0" smtClean="0"/>
-                                      <m:t>𝐽</m:t>
-                                    </m:r>
-                                  </m:e>
-                                  <m:sub>
-                                    <m:r>
-                                      <a:rPr lang="en-GB" b="0" smtClean="0"/>
-                                      <m:t>0</m:t>
-                                    </m:r>
-                                  </m:sub>
-                                </m:sSub>
-                              </m:oMath>
-                            </m:oMathPara>
-                          </a14:m>
-                          <a:endParaRPr lang="en-GB" dirty="0"/>
-                        </a:p>
-                      </a:txBody>
-                      <a:tcPr/>
-                    </a:tc>
-                    <a:tc>
-                      <a:txBody>
-                        <a:bodyPr/>
-                        <a:lstStyle/>
-                        <a:p>
-                          <a:r>
-                            <a:rPr lang="en-GB" dirty="0"/>
-                            <a:t>10</a:t>
-                          </a:r>
-                        </a:p>
-                      </a:txBody>
-                      <a:tcPr/>
-                    </a:tc>
-                    <a:tc>
-                      <a:txBody>
-                        <a:bodyPr/>
-                        <a:lstStyle/>
-                        <a:p>
-                          <a:r>
-                            <a:rPr lang="en-GB" dirty="0"/>
-                            <a:t>20</a:t>
-                          </a:r>
-                        </a:p>
-                      </a:txBody>
-                      <a:tcPr/>
-                    </a:tc>
-                    <a:tc>
-                      <a:txBody>
-                        <a:bodyPr/>
-                        <a:lstStyle/>
-                        <a:p>
-                          <a:r>
-                            <a:rPr lang="en-GB" dirty="0"/>
-                            <a:t>1</a:t>
-                          </a:r>
-                        </a:p>
-                      </a:txBody>
-                      <a:tcPr/>
-                    </a:tc>
-                    <a:tc>
-                      <a:txBody>
-                        <a:bodyPr/>
-                        <a:lstStyle/>
-                        <a:p>
-                          <a:r>
-                            <a:rPr lang="en-GB" dirty="0"/>
-                            <a:t>0</a:t>
-                          </a:r>
-                        </a:p>
-                      </a:txBody>
-                      <a:tcPr/>
-                    </a:tc>
-                    <a:tc>
-                      <a:txBody>
-                        <a:bodyPr/>
-                        <a:lstStyle/>
-                        <a:p>
-                          <a14:m>
-                            <m:oMathPara xmlns:m="http://schemas.openxmlformats.org/officeDocument/2006/math">
-                              <m:oMathParaPr>
-                                <m:jc m:val="centerGroup"/>
-                              </m:oMathParaPr>
-                              <m:oMath xmlns:m="http://schemas.openxmlformats.org/officeDocument/2006/math">
-                                <m:r>
-                                  <a:rPr lang="en-GB" b="0" smtClean="0"/>
-                                  <m:t>∅</m:t>
-                                </m:r>
-                              </m:oMath>
-                            </m:oMathPara>
-                          </a14:m>
-                          <a:endParaRPr lang="en-GB" dirty="0"/>
-                        </a:p>
-                      </a:txBody>
-                      <a:tcPr/>
-                    </a:tc>
-                    <a:extLst>
-                      <a:ext uri="{0D108BD9-81ED-4DB2-BD59-A6C34878D82A}">
-                        <a16:rowId xmlns:a16="http://schemas.microsoft.com/office/drawing/2014/main" val="830790621"/>
-                      </a:ext>
-                    </a:extLst>
-                  </a:tr>
-                  <a:tr h="370840">
-                    <a:tc>
-                      <a:txBody>
-                        <a:bodyPr/>
-                        <a:lstStyle/>
-                        <a:p>
                           <a:pPr/>
                           <a14:m>
                             <m:oMathPara xmlns:m="http://schemas.openxmlformats.org/officeDocument/2006/math">
@@ -16857,19 +19348,25 @@
                                 <m:sSub>
                                   <m:sSubPr>
                                     <m:ctrlPr>
-                                      <a:rPr lang="en-GB" b="0" smtClean="0"/>
+                                      <a:rPr lang="en-GB" b="0" i="1" smtClean="0">
+                                        <a:latin typeface="Cambria Math" panose="02040503050406030204" pitchFamily="18" charset="0"/>
+                                      </a:rPr>
                                     </m:ctrlPr>
                                   </m:sSubPr>
                                   <m:e>
                                     <m:r>
-                                      <a:rPr lang="en-GB" b="0" smtClean="0"/>
+                                      <a:rPr lang="en-GB" b="0" smtClean="0">
+                                        <a:latin typeface="Cambria Math" panose="02040503050406030204" pitchFamily="18" charset="0"/>
+                                      </a:rPr>
                                       <m:t>𝐽</m:t>
                                     </m:r>
                                   </m:e>
                                   <m:sub>
                                     <m:r>
-                                      <a:rPr lang="en-GB" b="0" smtClean="0"/>
-                                      <m:t>1</m:t>
+                                      <a:rPr lang="en-GB" b="0" smtClean="0">
+                                        <a:latin typeface="Cambria Math" panose="02040503050406030204" pitchFamily="18" charset="0"/>
+                                      </a:rPr>
+                                      <m:t>0</m:t>
                                     </m:r>
                                   </m:sub>
                                 </m:sSub>
@@ -16888,7 +19385,7 @@
                         <a:p>
                           <a:r>
                             <a:rPr lang="en-GB" dirty="0"/>
-                            <a:t>15</a:t>
+                            <a:t>10</a:t>
                           </a:r>
                         </a:p>
                       </a:txBody>
@@ -16901,7 +19398,7 @@
                         <a:p>
                           <a:r>
                             <a:rPr lang="en-GB" dirty="0"/>
-                            <a:t>25</a:t>
+                            <a:t>20</a:t>
                           </a:r>
                         </a:p>
                       </a:txBody>
@@ -16946,7 +19443,9 @@
                               </m:oMathParaPr>
                               <m:oMath xmlns:m="http://schemas.openxmlformats.org/officeDocument/2006/math">
                                 <m:r>
-                                  <a:rPr lang="en-GB" b="0" smtClean="0"/>
+                                  <a:rPr lang="en-GB" b="0" smtClean="0">
+                                    <a:latin typeface="Cambria Math" panose="02040503050406030204" pitchFamily="18" charset="0"/>
+                                  </a:rPr>
                                   <m:t>∅</m:t>
                                 </m:r>
                               </m:oMath>
@@ -16959,7 +19458,7 @@
                     </a:tc>
                     <a:extLst>
                       <a:ext uri="{0D108BD9-81ED-4DB2-BD59-A6C34878D82A}">
-                        <a16:rowId xmlns:a16="http://schemas.microsoft.com/office/drawing/2014/main" val="3425481463"/>
+                        <a16:rowId xmlns:a16="http://schemas.microsoft.com/office/drawing/2014/main" val="830790621"/>
                       </a:ext>
                     </a:extLst>
                   </a:tr>
@@ -16979,19 +19478,25 @@
                                 <m:sSub>
                                   <m:sSubPr>
                                     <m:ctrlPr>
-                                      <a:rPr lang="en-GB" b="0" smtClean="0"/>
+                                      <a:rPr lang="en-GB" b="0" i="1" smtClean="0">
+                                        <a:latin typeface="Cambria Math" panose="02040503050406030204" pitchFamily="18" charset="0"/>
+                                      </a:rPr>
                                     </m:ctrlPr>
                                   </m:sSubPr>
                                   <m:e>
                                     <m:r>
-                                      <a:rPr lang="en-GB" b="0" smtClean="0"/>
+                                      <a:rPr lang="en-GB" b="0" smtClean="0">
+                                        <a:latin typeface="Cambria Math" panose="02040503050406030204" pitchFamily="18" charset="0"/>
+                                      </a:rPr>
                                       <m:t>𝐽</m:t>
                                     </m:r>
                                   </m:e>
                                   <m:sub>
                                     <m:r>
-                                      <a:rPr lang="en-GB" b="0" smtClean="0"/>
-                                      <m:t>2</m:t>
+                                      <a:rPr lang="en-GB" b="0" smtClean="0">
+                                        <a:latin typeface="Cambria Math" panose="02040503050406030204" pitchFamily="18" charset="0"/>
+                                      </a:rPr>
+                                      <m:t>1</m:t>
                                     </m:r>
                                   </m:sub>
                                 </m:sSub>
@@ -17010,7 +19515,7 @@
                         <a:p>
                           <a:r>
                             <a:rPr lang="en-GB" dirty="0"/>
-                            <a:t>20</a:t>
+                            <a:t>15</a:t>
                           </a:r>
                         </a:p>
                       </a:txBody>
@@ -17035,12 +19540,8 @@
                         <a:lstStyle/>
                         <a:p>
                           <a:r>
-                            <a:rPr lang="en-GB" b="0" dirty="0">
-                              <a:solidFill>
-                                <a:schemeClr val="tx1"/>
-                              </a:solidFill>
-                            </a:rPr>
-                            <a:t>2</a:t>
+                            <a:rPr lang="en-GB" dirty="0"/>
+                            <a:t>1</a:t>
                           </a:r>
                         </a:p>
                       </a:txBody>
@@ -17072,7 +19573,9 @@
                               </m:oMathParaPr>
                               <m:oMath xmlns:m="http://schemas.openxmlformats.org/officeDocument/2006/math">
                                 <m:r>
-                                  <a:rPr lang="en-GB" b="0" smtClean="0"/>
+                                  <a:rPr lang="en-GB" b="0" smtClean="0">
+                                    <a:latin typeface="Cambria Math" panose="02040503050406030204" pitchFamily="18" charset="0"/>
+                                  </a:rPr>
                                   <m:t>∅</m:t>
                                 </m:r>
                               </m:oMath>
@@ -17085,7 +19588,7 @@
                     </a:tc>
                     <a:extLst>
                       <a:ext uri="{0D108BD9-81ED-4DB2-BD59-A6C34878D82A}">
-                        <a16:rowId xmlns:a16="http://schemas.microsoft.com/office/drawing/2014/main" val="803234941"/>
+                        <a16:rowId xmlns:a16="http://schemas.microsoft.com/office/drawing/2014/main" val="3425481463"/>
                       </a:ext>
                     </a:extLst>
                   </a:tr>
@@ -17105,18 +19608,158 @@
                                 <m:sSub>
                                   <m:sSubPr>
                                     <m:ctrlPr>
-                                      <a:rPr lang="en-GB" b="0" smtClean="0"/>
+                                      <a:rPr lang="en-GB" b="0" i="1" smtClean="0">
+                                        <a:latin typeface="Cambria Math" panose="02040503050406030204" pitchFamily="18" charset="0"/>
+                                      </a:rPr>
                                     </m:ctrlPr>
                                   </m:sSubPr>
                                   <m:e>
                                     <m:r>
-                                      <a:rPr lang="en-GB" b="0" smtClean="0"/>
+                                      <a:rPr lang="en-GB" b="0" smtClean="0">
+                                        <a:latin typeface="Cambria Math" panose="02040503050406030204" pitchFamily="18" charset="0"/>
+                                      </a:rPr>
                                       <m:t>𝐽</m:t>
                                     </m:r>
                                   </m:e>
                                   <m:sub>
                                     <m:r>
-                                      <a:rPr lang="en-GB" b="0" smtClean="0"/>
+                                      <a:rPr lang="en-GB" b="0" smtClean="0">
+                                        <a:latin typeface="Cambria Math" panose="02040503050406030204" pitchFamily="18" charset="0"/>
+                                      </a:rPr>
+                                      <m:t>2</m:t>
+                                    </m:r>
+                                  </m:sub>
+                                </m:sSub>
+                              </m:oMath>
+                            </m:oMathPara>
+                          </a14:m>
+                          <a:endParaRPr lang="en-GB" dirty="0"/>
+                        </a:p>
+                      </a:txBody>
+                      <a:tcPr/>
+                    </a:tc>
+                    <a:tc>
+                      <a:txBody>
+                        <a:bodyPr/>
+                        <a:lstStyle/>
+                        <a:p>
+                          <a:r>
+                            <a:rPr lang="en-GB" dirty="0"/>
+                            <a:t>20</a:t>
+                          </a:r>
+                        </a:p>
+                      </a:txBody>
+                      <a:tcPr/>
+                    </a:tc>
+                    <a:tc>
+                      <a:txBody>
+                        <a:bodyPr/>
+                        <a:lstStyle/>
+                        <a:p>
+                          <a:r>
+                            <a:rPr lang="en-GB" dirty="0"/>
+                            <a:t>25</a:t>
+                          </a:r>
+                        </a:p>
+                      </a:txBody>
+                      <a:tcPr/>
+                    </a:tc>
+                    <a:tc>
+                      <a:txBody>
+                        <a:bodyPr/>
+                        <a:lstStyle/>
+                        <a:p>
+                          <a:r>
+                            <a:rPr lang="en-GB" b="0" dirty="0">
+                              <a:solidFill>
+                                <a:schemeClr val="tx1"/>
+                              </a:solidFill>
+                            </a:rPr>
+                            <a:t>2</a:t>
+                          </a:r>
+                        </a:p>
+                      </a:txBody>
+                      <a:tcPr/>
+                    </a:tc>
+                    <a:tc>
+                      <a:txBody>
+                        <a:bodyPr/>
+                        <a:lstStyle/>
+                        <a:p>
+                          <a:r>
+                            <a:rPr lang="en-GB" dirty="0"/>
+                            <a:t>0</a:t>
+                          </a:r>
+                        </a:p>
+                      </a:txBody>
+                      <a:tcPr/>
+                    </a:tc>
+                    <a:tc>
+                      <a:txBody>
+                        <a:bodyPr/>
+                        <a:lstStyle/>
+                        <a:p>
+                          <a:pPr/>
+                          <a14:m>
+                            <m:oMathPara xmlns:m="http://schemas.openxmlformats.org/officeDocument/2006/math">
+                              <m:oMathParaPr>
+                                <m:jc m:val="centerGroup"/>
+                              </m:oMathParaPr>
+                              <m:oMath xmlns:m="http://schemas.openxmlformats.org/officeDocument/2006/math">
+                                <m:r>
+                                  <a:rPr lang="en-GB" b="0" smtClean="0">
+                                    <a:latin typeface="Cambria Math" panose="02040503050406030204" pitchFamily="18" charset="0"/>
+                                  </a:rPr>
+                                  <m:t>∅</m:t>
+                                </m:r>
+                              </m:oMath>
+                            </m:oMathPara>
+                          </a14:m>
+                          <a:endParaRPr lang="en-GB" dirty="0"/>
+                        </a:p>
+                      </a:txBody>
+                      <a:tcPr/>
+                    </a:tc>
+                    <a:extLst>
+                      <a:ext uri="{0D108BD9-81ED-4DB2-BD59-A6C34878D82A}">
+                        <a16:rowId xmlns:a16="http://schemas.microsoft.com/office/drawing/2014/main" val="803234941"/>
+                      </a:ext>
+                    </a:extLst>
+                  </a:tr>
+                  <a:tr h="370840">
+                    <a:tc>
+                      <a:txBody>
+                        <a:bodyPr/>
+                        <a:lstStyle/>
+                        <a:p>
+                          <a:pPr/>
+                          <a14:m>
+                            <m:oMathPara xmlns:m="http://schemas.openxmlformats.org/officeDocument/2006/math">
+                              <m:oMathParaPr>
+                                <m:jc m:val="centerGroup"/>
+                              </m:oMathParaPr>
+                              <m:oMath xmlns:m="http://schemas.openxmlformats.org/officeDocument/2006/math">
+                                <m:sSub>
+                                  <m:sSubPr>
+                                    <m:ctrlPr>
+                                      <a:rPr lang="en-GB" b="0" i="1" smtClean="0">
+                                        <a:latin typeface="Cambria Math" panose="02040503050406030204" pitchFamily="18" charset="0"/>
+                                      </a:rPr>
+                                    </m:ctrlPr>
+                                  </m:sSubPr>
+                                  <m:e>
+                                    <m:r>
+                                      <a:rPr lang="en-GB" b="0" smtClean="0">
+                                        <a:latin typeface="Cambria Math" panose="02040503050406030204" pitchFamily="18" charset="0"/>
+                                      </a:rPr>
+                                      <m:t>𝐽</m:t>
+                                    </m:r>
+                                  </m:e>
+                                  <m:sub>
+                                    <m:r>
+                                      <a:rPr lang="en-GB" b="0" smtClean="0">
+                                        <a:latin typeface="Cambria Math" panose="02040503050406030204" pitchFamily="18" charset="0"/>
+                                      </a:rPr>
                                       <m:t>3</m:t>
                                     </m:r>
                                   </m:sub>
@@ -17210,7 +19853,6 @@
                         <a:bodyPr/>
                         <a:lstStyle/>
                         <a:p>
-                          <a:pPr/>
                           <a:endParaRPr lang="en-GB" dirty="0"/>
                         </a:p>
                       </a:txBody>
@@ -17452,7 +20094,7 @@
             </a:graphic>
           </p:graphicFrame>
         </mc:Choice>
-        <mc:Fallback>
+        <mc:Fallback xmlns="">
           <p:graphicFrame>
             <p:nvGraphicFramePr>
               <p:cNvPr id="7" name="Table 7">
@@ -18180,8 +20822,8 @@
           </a:p>
         </p:txBody>
       </p:sp>
-      <mc:AlternateContent xmlns:mc="http://schemas.openxmlformats.org/markup-compatibility/2006">
-        <mc:Choice xmlns:a14="http://schemas.microsoft.com/office/drawing/2010/main" Requires="a14">
+      <mc:AlternateContent xmlns:mc="http://schemas.openxmlformats.org/markup-compatibility/2006" xmlns:a14="http://schemas.microsoft.com/office/drawing/2010/main">
+        <mc:Choice Requires="a14">
           <p:sp>
             <p:nvSpPr>
               <p:cNvPr id="9" name="TextBox 8">
@@ -18818,7 +21460,7 @@
             </p:txBody>
           </p:sp>
         </mc:Choice>
-        <mc:Fallback>
+        <mc:Fallback xmlns="">
           <p:sp>
             <p:nvSpPr>
               <p:cNvPr id="9" name="TextBox 8">
@@ -19021,7 +21663,7 @@
           <a:p>
             <a:r>
               <a:rPr lang="en-GB" dirty="0"/>
-              <a:t>Conclusion</a:t>
+              <a:t>Basic rules</a:t>
             </a:r>
           </a:p>
         </p:txBody>
@@ -19046,12 +21688,293 @@
             </p:nvSpPr>
             <p:spPr/>
             <p:txBody>
-              <a:bodyPr/>
+              <a:bodyPr>
+                <a:normAutofit/>
+              </a:bodyPr>
               <a:lstStyle/>
               <a:p>
+                <a14:m>
+                  <m:oMath xmlns:m="http://schemas.openxmlformats.org/officeDocument/2006/math">
+                    <m:r>
+                      <a:rPr lang="en-GB" b="0" i="1" smtClean="0">
+                        <a:latin typeface="Cambria Math" panose="02040503050406030204" pitchFamily="18" charset="0"/>
+                      </a:rPr>
+                      <m:t>𝒮</m:t>
+                    </m:r>
+                    <m:d>
+                      <m:dPr>
+                        <m:ctrlPr>
+                          <a:rPr lang="en-GB" b="0" i="1" smtClean="0">
+                            <a:latin typeface="Cambria Math" panose="02040503050406030204" pitchFamily="18" charset="0"/>
+                          </a:rPr>
+                        </m:ctrlPr>
+                      </m:dPr>
+                      <m:e>
+                        <m:r>
+                          <a:rPr lang="en-GB" b="0" i="1" smtClean="0">
+                            <a:latin typeface="Cambria Math" panose="02040503050406030204" pitchFamily="18" charset="0"/>
+                          </a:rPr>
+                          <m:t>𝑣</m:t>
+                        </m:r>
+                      </m:e>
+                    </m:d>
+                    <m:r>
+                      <a:rPr lang="en-GB" b="0" i="1" smtClean="0">
+                        <a:latin typeface="Cambria Math" panose="02040503050406030204" pitchFamily="18" charset="0"/>
+                      </a:rPr>
+                      <m:t>=</m:t>
+                    </m:r>
+                    <m:d>
+                      <m:dPr>
+                        <m:begChr m:val="{"/>
+                        <m:endChr m:val="}"/>
+                        <m:ctrlPr>
+                          <a:rPr lang="en-GB" b="0" i="1" smtClean="0">
+                            <a:latin typeface="Cambria Math" panose="02040503050406030204" pitchFamily="18" charset="0"/>
+                          </a:rPr>
+                        </m:ctrlPr>
+                      </m:dPr>
+                      <m:e>
+                        <m:sSub>
+                          <m:sSubPr>
+                            <m:ctrlPr>
+                              <a:rPr lang="en-GB" b="0" i="1" smtClean="0">
+                                <a:latin typeface="Cambria Math" panose="02040503050406030204" pitchFamily="18" charset="0"/>
+                              </a:rPr>
+                            </m:ctrlPr>
+                          </m:sSubPr>
+                          <m:e>
+                            <m:r>
+                              <a:rPr lang="en-GB" b="0" i="1" smtClean="0">
+                                <a:latin typeface="Cambria Math" panose="02040503050406030204" pitchFamily="18" charset="0"/>
+                              </a:rPr>
+                              <m:t>𝐽</m:t>
+                            </m:r>
+                          </m:e>
+                          <m:sub>
+                            <m:r>
+                              <a:rPr lang="en-GB" b="0" i="1" smtClean="0">
+                                <a:latin typeface="Cambria Math" panose="02040503050406030204" pitchFamily="18" charset="0"/>
+                              </a:rPr>
+                              <m:t>𝑘</m:t>
+                            </m:r>
+                          </m:sub>
+                        </m:sSub>
+                      </m:e>
+                      <m:e>
+                        <m:r>
+                          <a:rPr lang="en-GB" b="0" i="1" smtClean="0">
+                            <a:latin typeface="Cambria Math" panose="02040503050406030204" pitchFamily="18" charset="0"/>
+                          </a:rPr>
+                          <m:t>𝑝𝑟𝑒𝑑</m:t>
+                        </m:r>
+                        <m:d>
+                          <m:dPr>
+                            <m:ctrlPr>
+                              <a:rPr lang="en-GB" b="0" i="1" smtClean="0">
+                                <a:latin typeface="Cambria Math" panose="02040503050406030204" pitchFamily="18" charset="0"/>
+                              </a:rPr>
+                            </m:ctrlPr>
+                          </m:dPr>
+                          <m:e>
+                            <m:sSub>
+                              <m:sSubPr>
+                                <m:ctrlPr>
+                                  <a:rPr lang="en-GB" b="0" i="1" smtClean="0">
+                                    <a:latin typeface="Cambria Math" panose="02040503050406030204" pitchFamily="18" charset="0"/>
+                                  </a:rPr>
+                                </m:ctrlPr>
+                              </m:sSubPr>
+                              <m:e>
+                                <m:r>
+                                  <a:rPr lang="en-GB" b="0" i="1" smtClean="0">
+                                    <a:latin typeface="Cambria Math" panose="02040503050406030204" pitchFamily="18" charset="0"/>
+                                  </a:rPr>
+                                  <m:t>𝐽</m:t>
+                                </m:r>
+                              </m:e>
+                              <m:sub>
+                                <m:r>
+                                  <a:rPr lang="en-GB" b="0" i="1" smtClean="0">
+                                    <a:latin typeface="Cambria Math" panose="02040503050406030204" pitchFamily="18" charset="0"/>
+                                  </a:rPr>
+                                  <m:t>𝑘</m:t>
+                                </m:r>
+                              </m:sub>
+                            </m:sSub>
+                          </m:e>
+                        </m:d>
+                        <m:r>
+                          <a:rPr lang="en-GB" b="0" i="1" smtClean="0">
+                            <a:latin typeface="Cambria Math" panose="02040503050406030204" pitchFamily="18" charset="0"/>
+                          </a:rPr>
+                          <m:t>∩</m:t>
+                        </m:r>
+                        <m:r>
+                          <a:rPr lang="en-GB" b="0" i="1" smtClean="0">
+                            <a:latin typeface="Cambria Math" panose="02040503050406030204" pitchFamily="18" charset="0"/>
+                          </a:rPr>
+                          <m:t>𝒳</m:t>
+                        </m:r>
+                        <m:d>
+                          <m:dPr>
+                            <m:ctrlPr>
+                              <a:rPr lang="en-GB" b="0" i="1" smtClean="0">
+                                <a:latin typeface="Cambria Math" panose="02040503050406030204" pitchFamily="18" charset="0"/>
+                              </a:rPr>
+                            </m:ctrlPr>
+                          </m:dPr>
+                          <m:e>
+                            <m:r>
+                              <a:rPr lang="en-GB" b="0" i="1" smtClean="0">
+                                <a:latin typeface="Cambria Math" panose="02040503050406030204" pitchFamily="18" charset="0"/>
+                              </a:rPr>
+                              <m:t>𝑣</m:t>
+                            </m:r>
+                          </m:e>
+                        </m:d>
+                        <m:r>
+                          <a:rPr lang="en-GB" b="0" i="1" smtClean="0">
+                            <a:latin typeface="Cambria Math" panose="02040503050406030204" pitchFamily="18" charset="0"/>
+                          </a:rPr>
+                          <m:t>≠∅∧</m:t>
+                        </m:r>
+                        <m:r>
+                          <a:rPr lang="en-GB" b="0" i="1" smtClean="0">
+                            <a:latin typeface="Cambria Math" panose="02040503050406030204" pitchFamily="18" charset="0"/>
+                          </a:rPr>
+                          <m:t>𝑝</m:t>
+                        </m:r>
+                        <m:r>
+                          <a:rPr lang="en-GB" b="0" i="1" smtClean="0">
+                            <a:latin typeface="Cambria Math" panose="02040503050406030204" pitchFamily="18" charset="0"/>
+                          </a:rPr>
+                          <m:t>≥</m:t>
+                        </m:r>
+                        <m:sSubSup>
+                          <m:sSubSupPr>
+                            <m:ctrlPr>
+                              <a:rPr lang="en-GB" b="0" i="1" smtClean="0">
+                                <a:latin typeface="Cambria Math" panose="02040503050406030204" pitchFamily="18" charset="0"/>
+                              </a:rPr>
+                            </m:ctrlPr>
+                          </m:sSubSupPr>
+                          <m:e>
+                            <m:r>
+                              <a:rPr lang="en-GB" b="0" i="1" smtClean="0">
+                                <a:latin typeface="Cambria Math" panose="02040503050406030204" pitchFamily="18" charset="0"/>
+                              </a:rPr>
+                              <m:t>𝑚</m:t>
+                            </m:r>
+                          </m:e>
+                          <m:sub>
+                            <m:r>
+                              <a:rPr lang="en-GB" b="0" i="1" smtClean="0">
+                                <a:latin typeface="Cambria Math" panose="02040503050406030204" pitchFamily="18" charset="0"/>
+                              </a:rPr>
+                              <m:t>𝑘</m:t>
+                            </m:r>
+                          </m:sub>
+                          <m:sup>
+                            <m:func>
+                              <m:funcPr>
+                                <m:ctrlPr>
+                                  <a:rPr lang="en-GB" b="0" i="1" smtClean="0">
+                                    <a:latin typeface="Cambria Math" panose="02040503050406030204" pitchFamily="18" charset="0"/>
+                                  </a:rPr>
+                                </m:ctrlPr>
+                              </m:funcPr>
+                              <m:fName>
+                                <m:r>
+                                  <m:rPr>
+                                    <m:sty m:val="p"/>
+                                  </m:rPr>
+                                  <a:rPr lang="en-GB" b="0" i="0" smtClean="0">
+                                    <a:latin typeface="Cambria Math" panose="02040503050406030204" pitchFamily="18" charset="0"/>
+                                  </a:rPr>
+                                  <m:t>min</m:t>
+                                </m:r>
+                              </m:fName>
+                              <m:e>
+                                <m:r>
+                                  <a:rPr lang="en-GB" b="0" i="1" smtClean="0">
+                                    <a:latin typeface="Cambria Math" panose="02040503050406030204" pitchFamily="18" charset="0"/>
+                                  </a:rPr>
+                                  <m:t> </m:t>
+                                </m:r>
+                              </m:e>
+                            </m:func>
+                          </m:sup>
+                        </m:sSubSup>
+                        <m:r>
+                          <a:rPr lang="en-GB" b="0" i="1" smtClean="0">
+                            <a:latin typeface="Cambria Math" panose="02040503050406030204" pitchFamily="18" charset="0"/>
+                          </a:rPr>
+                          <m:t>∧</m:t>
+                        </m:r>
+                        <m:sSub>
+                          <m:sSubPr>
+                            <m:ctrlPr>
+                              <a:rPr lang="en-GB" b="0" i="1" smtClean="0">
+                                <a:latin typeface="Cambria Math" panose="02040503050406030204" pitchFamily="18" charset="0"/>
+                              </a:rPr>
+                            </m:ctrlPr>
+                          </m:sSubPr>
+                          <m:e>
+                            <m:r>
+                              <a:rPr lang="en-GB" b="0" i="1" smtClean="0">
+                                <a:latin typeface="Cambria Math" panose="02040503050406030204" pitchFamily="18" charset="0"/>
+                              </a:rPr>
+                              <m:t>𝑃</m:t>
+                            </m:r>
+                          </m:e>
+                          <m:sub>
+                            <m:r>
+                              <a:rPr lang="en-GB" b="0" i="1" smtClean="0">
+                                <a:latin typeface="Cambria Math" panose="02040503050406030204" pitchFamily="18" charset="0"/>
+                              </a:rPr>
+                              <m:t>𝑖</m:t>
+                            </m:r>
+                          </m:sub>
+                        </m:sSub>
+                        <m:r>
+                          <a:rPr lang="en-GB" b="0" i="1" smtClean="0">
+                            <a:latin typeface="Cambria Math" panose="02040503050406030204" pitchFamily="18" charset="0"/>
+                          </a:rPr>
+                          <m:t>&gt;</m:t>
+                        </m:r>
+                        <m:sSub>
+                          <m:sSubPr>
+                            <m:ctrlPr>
+                              <a:rPr lang="en-GB" b="0" i="1" smtClean="0">
+                                <a:latin typeface="Cambria Math" panose="02040503050406030204" pitchFamily="18" charset="0"/>
+                              </a:rPr>
+                            </m:ctrlPr>
+                          </m:sSubPr>
+                          <m:e>
+                            <m:r>
+                              <a:rPr lang="en-GB" b="0" i="1" smtClean="0">
+                                <a:latin typeface="Cambria Math" panose="02040503050406030204" pitchFamily="18" charset="0"/>
+                              </a:rPr>
+                              <m:t>𝑃</m:t>
+                            </m:r>
+                          </m:e>
+                          <m:sub>
+                            <m:r>
+                              <a:rPr lang="en-GB" b="0" i="1" smtClean="0">
+                                <a:latin typeface="Cambria Math" panose="02040503050406030204" pitchFamily="18" charset="0"/>
+                              </a:rPr>
+                              <m:t>𝑘</m:t>
+                            </m:r>
+                          </m:sub>
+                        </m:sSub>
+                      </m:e>
+                    </m:d>
+                  </m:oMath>
+                </a14:m>
                 <a:r>
                   <a:rPr lang="en-GB" dirty="0"/>
-                  <a:t>We have to look at all the cores that are always going to be used by higher-priority segments than the current evaluated job </a:t>
+                  <a:t> set of segments with a certainly running predecessor and higher priority than </a:t>
                 </a:r>
                 <a14:m>
                   <m:oMath xmlns:m="http://schemas.openxmlformats.org/officeDocument/2006/math">
@@ -19084,24 +22007,24 @@
                 </a14:m>
                 <a:r>
                   <a:rPr lang="en-GB" dirty="0"/>
-                  <a:t> and set the </a:t>
+                  <a:t> that also require the same or less cores than </a:t>
                 </a:r>
                 <a14:m>
                   <m:oMath xmlns:m="http://schemas.openxmlformats.org/officeDocument/2006/math">
-                    <m:sSubSup>
-                      <m:sSubSupPr>
+                    <m:sSub>
+                      <m:sSubPr>
                         <m:ctrlPr>
                           <a:rPr lang="en-GB" b="0" i="1" smtClean="0">
                             <a:latin typeface="Cambria Math" panose="02040503050406030204" pitchFamily="18" charset="0"/>
                           </a:rPr>
                         </m:ctrlPr>
-                      </m:sSubSupPr>
+                      </m:sSubPr>
                       <m:e>
                         <m:r>
                           <a:rPr lang="en-GB" b="0" i="1" smtClean="0">
                             <a:latin typeface="Cambria Math" panose="02040503050406030204" pitchFamily="18" charset="0"/>
                           </a:rPr>
-                          <m:t>𝐴</m:t>
+                          <m:t>𝐽</m:t>
                         </m:r>
                       </m:e>
                       <m:sub>
@@ -19109,40 +22032,35 @@
                           <a:rPr lang="en-GB" b="0" i="1" smtClean="0">
                             <a:latin typeface="Cambria Math" panose="02040503050406030204" pitchFamily="18" charset="0"/>
                           </a:rPr>
-                          <m:t>𝑘</m:t>
+                          <m:t>𝑖</m:t>
                         </m:r>
                       </m:sub>
-                      <m:sup>
-                        <m:r>
-                          <a:rPr lang="en-GB" b="0" i="1" smtClean="0">
-                            <a:latin typeface="Cambria Math" panose="02040503050406030204" pitchFamily="18" charset="0"/>
-                          </a:rPr>
-                          <m:t>𝑚𝑖𝑛</m:t>
-                        </m:r>
-                      </m:sup>
-                    </m:sSubSup>
+                    </m:sSub>
                   </m:oMath>
                 </a14:m>
+                <a:endParaRPr lang="en-GB" dirty="0"/>
+              </a:p>
+              <a:p>
                 <a:r>
                   <a:rPr lang="en-GB" dirty="0"/>
-                  <a:t> of these cores to </a:t>
+                  <a:t>We have to compute the time at which scheduling </a:t>
                 </a:r>
                 <a14:m>
                   <m:oMath xmlns:m="http://schemas.openxmlformats.org/officeDocument/2006/math">
-                    <m:sSubSup>
-                      <m:sSubSupPr>
+                    <m:sSub>
+                      <m:sSubPr>
                         <m:ctrlPr>
                           <a:rPr lang="en-GB" b="0" i="1" smtClean="0">
                             <a:latin typeface="Cambria Math" panose="02040503050406030204" pitchFamily="18" charset="0"/>
                           </a:rPr>
                         </m:ctrlPr>
-                      </m:sSubSupPr>
+                      </m:sSubPr>
                       <m:e>
                         <m:r>
                           <a:rPr lang="en-GB" b="0" i="1" smtClean="0">
                             <a:latin typeface="Cambria Math" panose="02040503050406030204" pitchFamily="18" charset="0"/>
                           </a:rPr>
-                          <m:t>𝐴</m:t>
+                          <m:t>𝐽</m:t>
                         </m:r>
                       </m:e>
                       <m:sub>
@@ -19150,30 +22068,655 @@
                           <a:rPr lang="en-GB" b="0" i="1" smtClean="0">
                             <a:latin typeface="Cambria Math" panose="02040503050406030204" pitchFamily="18" charset="0"/>
                           </a:rPr>
-                          <m:t>𝑘</m:t>
+                          <m:t>𝑖</m:t>
                         </m:r>
                       </m:sub>
-                      <m:sup>
+                    </m:sSub>
+                  </m:oMath>
+                </a14:m>
+                <a:r>
+                  <a:rPr lang="en-GB" dirty="0"/>
+                  <a:t> does not require all the cores in use by </a:t>
+                </a:r>
+                <a14:m>
+                  <m:oMath xmlns:m="http://schemas.openxmlformats.org/officeDocument/2006/math">
+                    <m:d>
+                      <m:dPr>
+                        <m:begChr m:val="{"/>
+                        <m:endChr m:val="}"/>
+                        <m:ctrlPr>
+                          <a:rPr lang="en-GB" b="0" i="0" smtClean="0">
+                            <a:latin typeface="Cambria Math" panose="02040503050406030204" pitchFamily="18" charset="0"/>
+                          </a:rPr>
+                        </m:ctrlPr>
+                      </m:dPr>
+                      <m:e>
+                        <m:sSub>
+                          <m:sSubPr>
+                            <m:ctrlPr>
+                              <a:rPr lang="en-GB" b="0" i="0" smtClean="0">
+                                <a:latin typeface="Cambria Math" panose="02040503050406030204" pitchFamily="18" charset="0"/>
+                              </a:rPr>
+                            </m:ctrlPr>
+                          </m:sSubPr>
+                          <m:e>
+                            <m:r>
+                              <m:rPr>
+                                <m:sty m:val="p"/>
+                              </m:rPr>
+                              <a:rPr lang="en-GB" b="0" i="0" smtClean="0">
+                                <a:latin typeface="Cambria Math" panose="02040503050406030204" pitchFamily="18" charset="0"/>
+                              </a:rPr>
+                              <m:t>J</m:t>
+                            </m:r>
+                          </m:e>
+                          <m:sub>
+                            <m:r>
+                              <m:rPr>
+                                <m:sty m:val="p"/>
+                              </m:rPr>
+                              <a:rPr lang="en-GB" b="0" i="0" smtClean="0">
+                                <a:latin typeface="Cambria Math" panose="02040503050406030204" pitchFamily="18" charset="0"/>
+                              </a:rPr>
+                              <m:t>j</m:t>
+                            </m:r>
+                          </m:sub>
+                        </m:sSub>
+                      </m:e>
+                      <m:e>
                         <m:r>
                           <a:rPr lang="en-GB" b="0" i="1" smtClean="0">
                             <a:latin typeface="Cambria Math" panose="02040503050406030204" pitchFamily="18" charset="0"/>
                           </a:rPr>
-                          <m:t>𝑚𝑎𝑥</m:t>
+                          <m:t>∃</m:t>
                         </m:r>
-                      </m:sup>
-                    </m:sSubSup>
+                        <m:sSub>
+                          <m:sSubPr>
+                            <m:ctrlPr>
+                              <a:rPr lang="en-GB" b="0" i="1" smtClean="0">
+                                <a:latin typeface="Cambria Math" panose="02040503050406030204" pitchFamily="18" charset="0"/>
+                              </a:rPr>
+                            </m:ctrlPr>
+                          </m:sSubPr>
+                          <m:e>
+                            <m:r>
+                              <a:rPr lang="en-GB" b="0" i="1" smtClean="0">
+                                <a:latin typeface="Cambria Math" panose="02040503050406030204" pitchFamily="18" charset="0"/>
+                              </a:rPr>
+                              <m:t>𝐽</m:t>
+                            </m:r>
+                          </m:e>
+                          <m:sub>
+                            <m:r>
+                              <a:rPr lang="en-GB" b="0" i="1" smtClean="0">
+                                <a:latin typeface="Cambria Math" panose="02040503050406030204" pitchFamily="18" charset="0"/>
+                              </a:rPr>
+                              <m:t>𝑘</m:t>
+                            </m:r>
+                          </m:sub>
+                        </m:sSub>
+                        <m:r>
+                          <a:rPr lang="en-GB" b="0" i="1" smtClean="0">
+                            <a:latin typeface="Cambria Math" panose="02040503050406030204" pitchFamily="18" charset="0"/>
+                          </a:rPr>
+                          <m:t>:</m:t>
+                        </m:r>
+                        <m:sSub>
+                          <m:sSubPr>
+                            <m:ctrlPr>
+                              <a:rPr lang="en-GB" b="0" i="1" smtClean="0">
+                                <a:latin typeface="Cambria Math" panose="02040503050406030204" pitchFamily="18" charset="0"/>
+                              </a:rPr>
+                            </m:ctrlPr>
+                          </m:sSubPr>
+                          <m:e>
+                            <m:r>
+                              <a:rPr lang="en-GB" b="0" i="1" smtClean="0">
+                                <a:latin typeface="Cambria Math" panose="02040503050406030204" pitchFamily="18" charset="0"/>
+                              </a:rPr>
+                              <m:t>𝐽</m:t>
+                            </m:r>
+                          </m:e>
+                          <m:sub>
+                            <m:r>
+                              <a:rPr lang="en-GB" b="0" i="1" smtClean="0">
+                                <a:latin typeface="Cambria Math" panose="02040503050406030204" pitchFamily="18" charset="0"/>
+                              </a:rPr>
+                              <m:t>𝑗</m:t>
+                            </m:r>
+                          </m:sub>
+                        </m:sSub>
+                        <m:r>
+                          <a:rPr lang="en-GB" b="0" i="1" smtClean="0">
+                            <a:latin typeface="Cambria Math" panose="02040503050406030204" pitchFamily="18" charset="0"/>
+                          </a:rPr>
+                          <m:t>∈</m:t>
+                        </m:r>
+                        <m:r>
+                          <a:rPr lang="en-GB" b="0" i="1" smtClean="0">
+                            <a:latin typeface="Cambria Math" panose="02040503050406030204" pitchFamily="18" charset="0"/>
+                          </a:rPr>
+                          <m:t>𝑝𝑟𝑒𝑑</m:t>
+                        </m:r>
+                        <m:d>
+                          <m:dPr>
+                            <m:ctrlPr>
+                              <a:rPr lang="en-GB" b="0" i="1" smtClean="0">
+                                <a:latin typeface="Cambria Math" panose="02040503050406030204" pitchFamily="18" charset="0"/>
+                              </a:rPr>
+                            </m:ctrlPr>
+                          </m:dPr>
+                          <m:e>
+                            <m:sSub>
+                              <m:sSubPr>
+                                <m:ctrlPr>
+                                  <a:rPr lang="en-GB" b="0" i="1" smtClean="0">
+                                    <a:latin typeface="Cambria Math" panose="02040503050406030204" pitchFamily="18" charset="0"/>
+                                  </a:rPr>
+                                </m:ctrlPr>
+                              </m:sSubPr>
+                              <m:e>
+                                <m:r>
+                                  <a:rPr lang="en-GB" b="0" i="1" smtClean="0">
+                                    <a:latin typeface="Cambria Math" panose="02040503050406030204" pitchFamily="18" charset="0"/>
+                                  </a:rPr>
+                                  <m:t>𝐽</m:t>
+                                </m:r>
+                              </m:e>
+                              <m:sub>
+                                <m:r>
+                                  <a:rPr lang="en-GB" b="0" i="1" smtClean="0">
+                                    <a:latin typeface="Cambria Math" panose="02040503050406030204" pitchFamily="18" charset="0"/>
+                                  </a:rPr>
+                                  <m:t>𝑘</m:t>
+                                </m:r>
+                              </m:sub>
+                            </m:sSub>
+                          </m:e>
+                        </m:d>
+                        <m:r>
+                          <a:rPr lang="en-GB" b="0" i="1" smtClean="0">
+                            <a:latin typeface="Cambria Math" panose="02040503050406030204" pitchFamily="18" charset="0"/>
+                          </a:rPr>
+                          <m:t>∩</m:t>
+                        </m:r>
+                        <m:r>
+                          <a:rPr lang="en-GB" b="0" i="1" smtClean="0">
+                            <a:latin typeface="Cambria Math" panose="02040503050406030204" pitchFamily="18" charset="0"/>
+                          </a:rPr>
+                          <m:t>𝒳</m:t>
+                        </m:r>
+                        <m:d>
+                          <m:dPr>
+                            <m:ctrlPr>
+                              <a:rPr lang="en-GB" b="0" i="1" smtClean="0">
+                                <a:latin typeface="Cambria Math" panose="02040503050406030204" pitchFamily="18" charset="0"/>
+                              </a:rPr>
+                            </m:ctrlPr>
+                          </m:dPr>
+                          <m:e>
+                            <m:r>
+                              <a:rPr lang="en-GB" b="0" i="1" smtClean="0">
+                                <a:latin typeface="Cambria Math" panose="02040503050406030204" pitchFamily="18" charset="0"/>
+                              </a:rPr>
+                              <m:t>𝑣</m:t>
+                            </m:r>
+                          </m:e>
+                        </m:d>
+                      </m:e>
+                    </m:d>
                   </m:oMath>
                 </a14:m>
-                <a:r>
-                  <a:rPr lang="en-GB" dirty="0"/>
-                  <a:t> so they are not going to be used.</a:t>
-                </a:r>
+                <a:endParaRPr lang="en-GB" dirty="0"/>
               </a:p>
               <a:p>
-                <a:r>
-                  <a:rPr lang="en-GB" dirty="0"/>
-                  <a:t>Only thing missing is a mathematical notation expressing the above sentence</a:t>
-                </a:r>
+                <a:endParaRPr lang="en-GB" dirty="0"/>
+              </a:p>
+              <a:p>
+                <a:pPr marL="0" indent="0">
+                  <a:buNone/>
+                </a:pPr>
+                <a14:m>
+                  <m:oMathPara xmlns:m="http://schemas.openxmlformats.org/officeDocument/2006/math">
+                    <m:oMathParaPr>
+                      <m:jc m:val="centerGroup"/>
+                    </m:oMathParaPr>
+                    <m:oMath xmlns:m="http://schemas.openxmlformats.org/officeDocument/2006/math">
+                      <m:func>
+                        <m:funcPr>
+                          <m:ctrlPr>
+                            <a:rPr lang="en-GB" b="0" i="1" smtClean="0">
+                              <a:latin typeface="Cambria Math" panose="02040503050406030204" pitchFamily="18" charset="0"/>
+                            </a:rPr>
+                          </m:ctrlPr>
+                        </m:funcPr>
+                        <m:fName>
+                          <m:limLow>
+                            <m:limLowPr>
+                              <m:ctrlPr>
+                                <a:rPr lang="en-GB" b="0" i="0" smtClean="0">
+                                  <a:latin typeface="Cambria Math" panose="02040503050406030204" pitchFamily="18" charset="0"/>
+                                </a:rPr>
+                              </m:ctrlPr>
+                            </m:limLowPr>
+                            <m:e>
+                              <m:r>
+                                <m:rPr>
+                                  <m:sty m:val="p"/>
+                                </m:rPr>
+                                <a:rPr lang="en-GB" b="0" i="0" smtClean="0">
+                                  <a:latin typeface="Cambria Math" panose="02040503050406030204" pitchFamily="18" charset="0"/>
+                                </a:rPr>
+                                <m:t>min</m:t>
+                              </m:r>
+                            </m:e>
+                            <m:lim>
+                              <m:r>
+                                <a:rPr lang="en-GB" i="1">
+                                  <a:latin typeface="Cambria Math" panose="02040503050406030204" pitchFamily="18" charset="0"/>
+                                </a:rPr>
+                                <m:t>∀</m:t>
+                              </m:r>
+                              <m:r>
+                                <a:rPr lang="en-GB" i="1">
+                                  <a:latin typeface="Cambria Math" panose="02040503050406030204" pitchFamily="18" charset="0"/>
+                                </a:rPr>
+                                <m:t>𝑞</m:t>
+                              </m:r>
+                              <m:r>
+                                <a:rPr lang="en-GB" i="1">
+                                  <a:latin typeface="Cambria Math" panose="02040503050406030204" pitchFamily="18" charset="0"/>
+                                </a:rPr>
+                                <m:t>:</m:t>
+                              </m:r>
+                              <m:r>
+                                <a:rPr lang="en-GB" i="1">
+                                  <a:latin typeface="Cambria Math" panose="02040503050406030204" pitchFamily="18" charset="0"/>
+                                </a:rPr>
+                                <m:t>𝑝</m:t>
+                              </m:r>
+                              <m:r>
+                                <a:rPr lang="en-GB" i="1">
+                                  <a:latin typeface="Cambria Math" panose="02040503050406030204" pitchFamily="18" charset="0"/>
+                                </a:rPr>
+                                <m:t>≤</m:t>
+                              </m:r>
+                              <m:r>
+                                <a:rPr lang="en-GB" i="1">
+                                  <a:latin typeface="Cambria Math" panose="02040503050406030204" pitchFamily="18" charset="0"/>
+                                </a:rPr>
+                                <m:t>𝑞</m:t>
+                              </m:r>
+                              <m:r>
+                                <a:rPr lang="en-GB" i="1">
+                                  <a:latin typeface="Cambria Math" panose="02040503050406030204" pitchFamily="18" charset="0"/>
+                                </a:rPr>
+                                <m:t>≤</m:t>
+                              </m:r>
+                              <m:r>
+                                <a:rPr lang="en-GB" i="1">
+                                  <a:latin typeface="Cambria Math" panose="02040503050406030204" pitchFamily="18" charset="0"/>
+                                </a:rPr>
+                                <m:t>𝑚</m:t>
+                              </m:r>
+                            </m:lim>
+                          </m:limLow>
+                        </m:fName>
+                        <m:e>
+                          <m:d>
+                            <m:dPr>
+                              <m:begChr m:val="{"/>
+                              <m:endChr m:val="}"/>
+                              <m:ctrlPr>
+                                <a:rPr lang="en-GB" i="1">
+                                  <a:latin typeface="Cambria Math" panose="02040503050406030204" pitchFamily="18" charset="0"/>
+                                </a:rPr>
+                              </m:ctrlPr>
+                            </m:dPr>
+                            <m:e>
+                              <m:sSubSup>
+                                <m:sSubSupPr>
+                                  <m:ctrlPr>
+                                    <a:rPr lang="en-GB" i="1">
+                                      <a:latin typeface="Cambria Math" panose="02040503050406030204" pitchFamily="18" charset="0"/>
+                                    </a:rPr>
+                                  </m:ctrlPr>
+                                </m:sSubSupPr>
+                                <m:e>
+                                  <m:r>
+                                    <a:rPr lang="en-GB" i="1">
+                                      <a:latin typeface="Cambria Math" panose="02040503050406030204" pitchFamily="18" charset="0"/>
+                                    </a:rPr>
+                                    <m:t>𝐴</m:t>
+                                  </m:r>
+                                </m:e>
+                                <m:sub>
+                                  <m:r>
+                                    <a:rPr lang="en-GB" i="1">
+                                      <a:latin typeface="Cambria Math" panose="02040503050406030204" pitchFamily="18" charset="0"/>
+                                    </a:rPr>
+                                    <m:t>𝑞</m:t>
+                                  </m:r>
+                                </m:sub>
+                                <m:sup>
+                                  <m:func>
+                                    <m:funcPr>
+                                      <m:ctrlPr>
+                                        <a:rPr lang="en-GB" i="1">
+                                          <a:latin typeface="Cambria Math" panose="02040503050406030204" pitchFamily="18" charset="0"/>
+                                        </a:rPr>
+                                      </m:ctrlPr>
+                                    </m:funcPr>
+                                    <m:fName>
+                                      <m:r>
+                                        <m:rPr>
+                                          <m:sty m:val="p"/>
+                                        </m:rPr>
+                                        <a:rPr lang="en-GB">
+                                          <a:latin typeface="Cambria Math" panose="02040503050406030204" pitchFamily="18" charset="0"/>
+                                        </a:rPr>
+                                        <m:t>min</m:t>
+                                      </m:r>
+                                    </m:fName>
+                                    <m:e>
+                                      <m:r>
+                                        <a:rPr lang="en-GB" i="1">
+                                          <a:latin typeface="Cambria Math" panose="02040503050406030204" pitchFamily="18" charset="0"/>
+                                        </a:rPr>
+                                        <m:t> </m:t>
+                                      </m:r>
+                                    </m:e>
+                                  </m:func>
+                                </m:sup>
+                              </m:sSubSup>
+                            </m:e>
+                            <m:e>
+                              <m:d>
+                                <m:dPr>
+                                  <m:ctrlPr>
+                                    <a:rPr lang="en-GB" i="1">
+                                      <a:latin typeface="Cambria Math" panose="02040503050406030204" pitchFamily="18" charset="0"/>
+                                    </a:rPr>
+                                  </m:ctrlPr>
+                                </m:dPr>
+                                <m:e>
+                                  <m:r>
+                                    <a:rPr lang="en-GB" i="1">
+                                      <a:latin typeface="Cambria Math" panose="02040503050406030204" pitchFamily="18" charset="0"/>
+                                    </a:rPr>
+                                    <m:t>𝑞</m:t>
+                                  </m:r>
+                                  <m:r>
+                                    <a:rPr lang="en-GB" i="1">
+                                      <a:latin typeface="Cambria Math" panose="02040503050406030204" pitchFamily="18" charset="0"/>
+                                    </a:rPr>
+                                    <m:t> −</m:t>
+                                  </m:r>
+                                  <m:nary>
+                                    <m:naryPr>
+                                      <m:chr m:val="∑"/>
+                                      <m:supHide m:val="on"/>
+                                      <m:ctrlPr>
+                                        <a:rPr lang="en-GB" i="1">
+                                          <a:latin typeface="Cambria Math" panose="02040503050406030204" pitchFamily="18" charset="0"/>
+                                        </a:rPr>
+                                      </m:ctrlPr>
+                                    </m:naryPr>
+                                    <m:sub>
+                                      <m:sSub>
+                                        <m:sSubPr>
+                                          <m:ctrlPr>
+                                            <a:rPr lang="en-GB" i="1">
+                                              <a:latin typeface="Cambria Math" panose="02040503050406030204" pitchFamily="18" charset="0"/>
+                                            </a:rPr>
+                                          </m:ctrlPr>
+                                        </m:sSubPr>
+                                        <m:e>
+                                          <m:r>
+                                            <a:rPr lang="en-GB" i="1">
+                                              <a:latin typeface="Cambria Math" panose="02040503050406030204" pitchFamily="18" charset="0"/>
+                                            </a:rPr>
+                                            <m:t>𝐽</m:t>
+                                          </m:r>
+                                        </m:e>
+                                        <m:sub>
+                                          <m:r>
+                                            <a:rPr lang="en-GB" i="1">
+                                              <a:latin typeface="Cambria Math" panose="02040503050406030204" pitchFamily="18" charset="0"/>
+                                            </a:rPr>
+                                            <m:t>𝑘</m:t>
+                                          </m:r>
+                                        </m:sub>
+                                      </m:sSub>
+                                      <m:r>
+                                        <a:rPr lang="en-GB" i="1">
+                                          <a:latin typeface="Cambria Math" panose="02040503050406030204" pitchFamily="18" charset="0"/>
+                                        </a:rPr>
+                                        <m:t>∈</m:t>
+                                      </m:r>
+                                      <m:r>
+                                        <a:rPr lang="en-GB" i="1">
+                                          <a:latin typeface="Cambria Math" panose="02040503050406030204" pitchFamily="18" charset="0"/>
+                                        </a:rPr>
+                                        <m:t>𝒮</m:t>
+                                      </m:r>
+                                      <m:d>
+                                        <m:dPr>
+                                          <m:ctrlPr>
+                                            <a:rPr lang="en-GB" i="1">
+                                              <a:latin typeface="Cambria Math" panose="02040503050406030204" pitchFamily="18" charset="0"/>
+                                            </a:rPr>
+                                          </m:ctrlPr>
+                                        </m:dPr>
+                                        <m:e>
+                                          <m:r>
+                                            <a:rPr lang="en-GB" i="1">
+                                              <a:latin typeface="Cambria Math" panose="02040503050406030204" pitchFamily="18" charset="0"/>
+                                            </a:rPr>
+                                            <m:t>𝑣</m:t>
+                                          </m:r>
+                                        </m:e>
+                                      </m:d>
+                                    </m:sub>
+                                    <m:sup/>
+                                    <m:e>
+                                      <m:d>
+                                        <m:dPr>
+                                          <m:ctrlPr>
+                                            <a:rPr lang="en-GB" b="0" i="1" smtClean="0">
+                                              <a:latin typeface="Cambria Math" panose="02040503050406030204" pitchFamily="18" charset="0"/>
+                                            </a:rPr>
+                                          </m:ctrlPr>
+                                        </m:dPr>
+                                        <m:e>
+                                          <m:func>
+                                            <m:funcPr>
+                                              <m:ctrlPr>
+                                                <a:rPr lang="en-GB" i="1">
+                                                  <a:latin typeface="Cambria Math" panose="02040503050406030204" pitchFamily="18" charset="0"/>
+                                                </a:rPr>
+                                              </m:ctrlPr>
+                                            </m:funcPr>
+                                            <m:fName>
+                                              <m:limLow>
+                                                <m:limLowPr>
+                                                  <m:ctrlPr>
+                                                    <a:rPr lang="en-GB" i="1">
+                                                      <a:latin typeface="Cambria Math" panose="02040503050406030204" pitchFamily="18" charset="0"/>
+                                                    </a:rPr>
+                                                  </m:ctrlPr>
+                                                </m:limLowPr>
+                                                <m:e>
+                                                  <m:r>
+                                                    <m:rPr>
+                                                      <m:sty m:val="p"/>
+                                                    </m:rPr>
+                                                    <a:rPr lang="en-GB">
+                                                      <a:latin typeface="Cambria Math" panose="02040503050406030204" pitchFamily="18" charset="0"/>
+                                                    </a:rPr>
+                                                    <m:t>min</m:t>
+                                                  </m:r>
+                                                </m:e>
+                                                <m:lim>
+                                                  <m:sSub>
+                                                    <m:sSubPr>
+                                                      <m:ctrlPr>
+                                                        <a:rPr lang="en-GB" i="1">
+                                                          <a:latin typeface="Cambria Math" panose="02040503050406030204" pitchFamily="18" charset="0"/>
+                                                        </a:rPr>
+                                                      </m:ctrlPr>
+                                                    </m:sSubPr>
+                                                    <m:e>
+                                                      <m:r>
+                                                        <a:rPr lang="en-GB" i="1">
+                                                          <a:latin typeface="Cambria Math" panose="02040503050406030204" pitchFamily="18" charset="0"/>
+                                                        </a:rPr>
+                                                        <m:t>𝐽</m:t>
+                                                      </m:r>
+                                                    </m:e>
+                                                    <m:sub>
+                                                      <m:r>
+                                                        <a:rPr lang="en-GB" i="1">
+                                                          <a:latin typeface="Cambria Math" panose="02040503050406030204" pitchFamily="18" charset="0"/>
+                                                        </a:rPr>
+                                                        <m:t>𝑗</m:t>
+                                                      </m:r>
+                                                    </m:sub>
+                                                  </m:sSub>
+                                                  <m:r>
+                                                    <a:rPr lang="en-GB" i="1">
+                                                      <a:latin typeface="Cambria Math" panose="02040503050406030204" pitchFamily="18" charset="0"/>
+                                                    </a:rPr>
+                                                    <m:t>∈</m:t>
+                                                  </m:r>
+                                                  <m:r>
+                                                    <a:rPr lang="en-GB" i="1">
+                                                      <a:latin typeface="Cambria Math" panose="02040503050406030204" pitchFamily="18" charset="0"/>
+                                                    </a:rPr>
+                                                    <m:t>𝑝𝑟𝑒𝑑</m:t>
+                                                  </m:r>
+                                                  <m:d>
+                                                    <m:dPr>
+                                                      <m:ctrlPr>
+                                                        <a:rPr lang="en-GB" i="1">
+                                                          <a:latin typeface="Cambria Math" panose="02040503050406030204" pitchFamily="18" charset="0"/>
+                                                        </a:rPr>
+                                                      </m:ctrlPr>
+                                                    </m:dPr>
+                                                    <m:e>
+                                                      <m:sSub>
+                                                        <m:sSubPr>
+                                                          <m:ctrlPr>
+                                                            <a:rPr lang="en-GB" i="1">
+                                                              <a:latin typeface="Cambria Math" panose="02040503050406030204" pitchFamily="18" charset="0"/>
+                                                            </a:rPr>
+                                                          </m:ctrlPr>
+                                                        </m:sSubPr>
+                                                        <m:e>
+                                                          <m:r>
+                                                            <a:rPr lang="en-GB" i="1">
+                                                              <a:latin typeface="Cambria Math" panose="02040503050406030204" pitchFamily="18" charset="0"/>
+                                                            </a:rPr>
+                                                            <m:t>𝐽</m:t>
+                                                          </m:r>
+                                                        </m:e>
+                                                        <m:sub>
+                                                          <m:r>
+                                                            <a:rPr lang="en-GB" i="1">
+                                                              <a:latin typeface="Cambria Math" panose="02040503050406030204" pitchFamily="18" charset="0"/>
+                                                            </a:rPr>
+                                                            <m:t>𝑘</m:t>
+                                                          </m:r>
+                                                        </m:sub>
+                                                      </m:sSub>
+                                                    </m:e>
+                                                  </m:d>
+                                                  <m:r>
+                                                    <a:rPr lang="en-GB" i="1">
+                                                      <a:latin typeface="Cambria Math" panose="02040503050406030204" pitchFamily="18" charset="0"/>
+                                                    </a:rPr>
+                                                    <m:t>∩</m:t>
+                                                  </m:r>
+                                                  <m:r>
+                                                    <a:rPr lang="en-GB" i="1">
+                                                      <a:latin typeface="Cambria Math" panose="02040503050406030204" pitchFamily="18" charset="0"/>
+                                                    </a:rPr>
+                                                    <m:t>𝒳</m:t>
+                                                  </m:r>
+                                                  <m:d>
+                                                    <m:dPr>
+                                                      <m:ctrlPr>
+                                                        <a:rPr lang="en-GB" i="1">
+                                                          <a:latin typeface="Cambria Math" panose="02040503050406030204" pitchFamily="18" charset="0"/>
+                                                        </a:rPr>
+                                                      </m:ctrlPr>
+                                                    </m:dPr>
+                                                    <m:e>
+                                                      <m:r>
+                                                        <a:rPr lang="en-GB" i="1">
+                                                          <a:latin typeface="Cambria Math" panose="02040503050406030204" pitchFamily="18" charset="0"/>
+                                                        </a:rPr>
+                                                        <m:t>𝑣</m:t>
+                                                      </m:r>
+                                                    </m:e>
+                                                  </m:d>
+                                                </m:lim>
+                                              </m:limLow>
+                                            </m:fName>
+                                            <m:e>
+                                              <m:sSub>
+                                                <m:sSubPr>
+                                                  <m:ctrlPr>
+                                                    <a:rPr lang="en-GB" i="1">
+                                                      <a:latin typeface="Cambria Math" panose="02040503050406030204" pitchFamily="18" charset="0"/>
+                                                    </a:rPr>
+                                                  </m:ctrlPr>
+                                                </m:sSubPr>
+                                                <m:e>
+                                                  <m:r>
+                                                    <a:rPr lang="en-GB" i="1">
+                                                      <a:latin typeface="Cambria Math" panose="02040503050406030204" pitchFamily="18" charset="0"/>
+                                                    </a:rPr>
+                                                    <m:t>𝑝</m:t>
+                                                  </m:r>
+                                                </m:e>
+                                                <m:sub>
+                                                  <m:r>
+                                                    <a:rPr lang="en-GB" i="1">
+                                                      <a:latin typeface="Cambria Math" panose="02040503050406030204" pitchFamily="18" charset="0"/>
+                                                    </a:rPr>
+                                                    <m:t>𝑗</m:t>
+                                                  </m:r>
+                                                </m:sub>
+                                              </m:sSub>
+                                            </m:e>
+                                          </m:func>
+                                        </m:e>
+                                      </m:d>
+                                    </m:e>
+                                  </m:nary>
+                                </m:e>
+                              </m:d>
+                              <m:r>
+                                <a:rPr lang="en-GB" i="1">
+                                  <a:latin typeface="Cambria Math" panose="02040503050406030204" pitchFamily="18" charset="0"/>
+                                </a:rPr>
+                                <m:t>≥</m:t>
+                              </m:r>
+                              <m:r>
+                                <a:rPr lang="en-GB" i="1">
+                                  <a:latin typeface="Cambria Math" panose="02040503050406030204" pitchFamily="18" charset="0"/>
+                                </a:rPr>
+                                <m:t>𝑝</m:t>
+                              </m:r>
+                            </m:e>
+                          </m:d>
+                        </m:e>
+                      </m:func>
+                    </m:oMath>
+                  </m:oMathPara>
+                </a14:m>
+                <a:endParaRPr lang="en-GB" dirty="0"/>
               </a:p>
             </p:txBody>
           </p:sp>
@@ -19199,7 +22742,7 @@
               <a:blipFill>
                 <a:blip r:embed="rId2"/>
                 <a:stretch>
-                  <a:fillRect l="-1043" t="-2313" r="-1565"/>
+                  <a:fillRect l="-1043" t="-1497" r="-1159"/>
                 </a:stretch>
               </a:blipFill>
             </p:spPr>
